--- a/model1/model explanation.pptx
+++ b/model1/model explanation.pptx
@@ -6,7 +6,6 @@
   </p:sldMasterIdLst>
   <p:sldIdLst>
     <p:sldId id="256" r:id="rId2"/>
-    <p:sldId id="257" r:id="rId3"/>
   </p:sldIdLst>
   <p:sldSz cx="12192000" cy="6858000"/>
   <p:notesSz cx="6858000" cy="9144000"/>
@@ -135,7 +134,7 @@
           <p:cNvPr id="2" name="Title 1">
             <a:extLst>
               <a:ext uri="{FF2B5EF4-FFF2-40B4-BE49-F238E27FC236}">
-                <a16:creationId xmlns:a16="http://schemas.microsoft.com/office/drawing/2014/main" id="{00EEC687-D81A-1032-F2E3-7685404C42FB}"/>
+                <a16:creationId xmlns:a16="http://schemas.microsoft.com/office/drawing/2014/main" id="{B7BB6980-4C9A-9304-8B80-A71A5F176773}"/>
               </a:ext>
             </a:extLst>
           </p:cNvPr>
@@ -172,7 +171,7 @@
           <p:cNvPr id="3" name="Subtitle 2">
             <a:extLst>
               <a:ext uri="{FF2B5EF4-FFF2-40B4-BE49-F238E27FC236}">
-                <a16:creationId xmlns:a16="http://schemas.microsoft.com/office/drawing/2014/main" id="{2470DEFA-AEAF-41B6-6397-CB046AE17E9C}"/>
+                <a16:creationId xmlns:a16="http://schemas.microsoft.com/office/drawing/2014/main" id="{C2D659A7-79BB-C666-8602-C9042DC59516}"/>
               </a:ext>
             </a:extLst>
           </p:cNvPr>
@@ -242,7 +241,7 @@
           <p:cNvPr id="4" name="Date Placeholder 3">
             <a:extLst>
               <a:ext uri="{FF2B5EF4-FFF2-40B4-BE49-F238E27FC236}">
-                <a16:creationId xmlns:a16="http://schemas.microsoft.com/office/drawing/2014/main" id="{904CA264-FD22-5237-82A4-3D3B2BAD76A5}"/>
+                <a16:creationId xmlns:a16="http://schemas.microsoft.com/office/drawing/2014/main" id="{27A97D72-12BA-0CC7-A60C-9651A3D4514E}"/>
               </a:ext>
             </a:extLst>
           </p:cNvPr>
@@ -258,7 +257,7 @@
           <a:bodyPr/>
           <a:lstStyle/>
           <a:p>
-            <a:fld id="{8A21FE5C-AD3B-48F4-80FA-CAF22D437299}" type="datetimeFigureOut">
+            <a:fld id="{BB56E3E3-8720-49A4-BC4F-FB36F977B1B7}" type="datetimeFigureOut">
               <a:rPr lang="en-US" smtClean="0"/>
               <a:t>4/18/2023</a:t>
             </a:fld>
@@ -271,7 +270,7 @@
           <p:cNvPr id="5" name="Footer Placeholder 4">
             <a:extLst>
               <a:ext uri="{FF2B5EF4-FFF2-40B4-BE49-F238E27FC236}">
-                <a16:creationId xmlns:a16="http://schemas.microsoft.com/office/drawing/2014/main" id="{95573244-A887-AE8C-5EC5-37F5957CB79A}"/>
+                <a16:creationId xmlns:a16="http://schemas.microsoft.com/office/drawing/2014/main" id="{0BCD3D81-1622-49D5-808B-26D7F07B65C7}"/>
               </a:ext>
             </a:extLst>
           </p:cNvPr>
@@ -296,7 +295,7 @@
           <p:cNvPr id="6" name="Slide Number Placeholder 5">
             <a:extLst>
               <a:ext uri="{FF2B5EF4-FFF2-40B4-BE49-F238E27FC236}">
-                <a16:creationId xmlns:a16="http://schemas.microsoft.com/office/drawing/2014/main" id="{24AE55AD-71FA-EF22-7EB1-CDFBB8B54008}"/>
+                <a16:creationId xmlns:a16="http://schemas.microsoft.com/office/drawing/2014/main" id="{72645247-0377-EE88-5340-17ED5F56CC84}"/>
               </a:ext>
             </a:extLst>
           </p:cNvPr>
@@ -312,7 +311,7 @@
           <a:bodyPr/>
           <a:lstStyle/>
           <a:p>
-            <a:fld id="{2145B9F1-9C33-48D7-9A45-23853AD2D3C7}" type="slidenum">
+            <a:fld id="{C95DB925-86DE-41CE-A2E3-E372F3C664F4}" type="slidenum">
               <a:rPr lang="en-US" smtClean="0"/>
               <a:t>‹#›</a:t>
             </a:fld>
@@ -323,7 +322,7 @@
     </p:spTree>
     <p:extLst>
       <p:ext uri="{BB962C8B-B14F-4D97-AF65-F5344CB8AC3E}">
-        <p14:creationId xmlns:p14="http://schemas.microsoft.com/office/powerpoint/2010/main" val="1596328543"/>
+        <p14:creationId xmlns:p14="http://schemas.microsoft.com/office/powerpoint/2010/main" val="3027684956"/>
       </p:ext>
     </p:extLst>
   </p:cSld>
@@ -355,7 +354,7 @@
           <p:cNvPr id="2" name="Title 1">
             <a:extLst>
               <a:ext uri="{FF2B5EF4-FFF2-40B4-BE49-F238E27FC236}">
-                <a16:creationId xmlns:a16="http://schemas.microsoft.com/office/drawing/2014/main" id="{4251C2B4-EFB7-2F1C-EF57-526C481E3DAA}"/>
+                <a16:creationId xmlns:a16="http://schemas.microsoft.com/office/drawing/2014/main" id="{01979E7F-8FF5-959B-DD45-0904F71493A1}"/>
               </a:ext>
             </a:extLst>
           </p:cNvPr>
@@ -383,7 +382,7 @@
           <p:cNvPr id="3" name="Vertical Text Placeholder 2">
             <a:extLst>
               <a:ext uri="{FF2B5EF4-FFF2-40B4-BE49-F238E27FC236}">
-                <a16:creationId xmlns:a16="http://schemas.microsoft.com/office/drawing/2014/main" id="{8628BEC4-C3E3-EBE7-79BB-DD3F90CBFAC3}"/>
+                <a16:creationId xmlns:a16="http://schemas.microsoft.com/office/drawing/2014/main" id="{5A19A70D-D92A-B652-E877-4C149CB4AE91}"/>
               </a:ext>
             </a:extLst>
           </p:cNvPr>
@@ -440,7 +439,7 @@
           <p:cNvPr id="4" name="Date Placeholder 3">
             <a:extLst>
               <a:ext uri="{FF2B5EF4-FFF2-40B4-BE49-F238E27FC236}">
-                <a16:creationId xmlns:a16="http://schemas.microsoft.com/office/drawing/2014/main" id="{FB7BA75C-D66D-FCFF-07A2-91DC23950936}"/>
+                <a16:creationId xmlns:a16="http://schemas.microsoft.com/office/drawing/2014/main" id="{AE5416EF-AC94-AFC7-7620-58864CEAFFEA}"/>
               </a:ext>
             </a:extLst>
           </p:cNvPr>
@@ -456,7 +455,7 @@
           <a:bodyPr/>
           <a:lstStyle/>
           <a:p>
-            <a:fld id="{8A21FE5C-AD3B-48F4-80FA-CAF22D437299}" type="datetimeFigureOut">
+            <a:fld id="{BB56E3E3-8720-49A4-BC4F-FB36F977B1B7}" type="datetimeFigureOut">
               <a:rPr lang="en-US" smtClean="0"/>
               <a:t>4/18/2023</a:t>
             </a:fld>
@@ -469,7 +468,7 @@
           <p:cNvPr id="5" name="Footer Placeholder 4">
             <a:extLst>
               <a:ext uri="{FF2B5EF4-FFF2-40B4-BE49-F238E27FC236}">
-                <a16:creationId xmlns:a16="http://schemas.microsoft.com/office/drawing/2014/main" id="{1501BFF2-559E-70A2-5B79-7032A87CE2F4}"/>
+                <a16:creationId xmlns:a16="http://schemas.microsoft.com/office/drawing/2014/main" id="{F273C2B4-3E45-F924-13C5-A7957A02B826}"/>
               </a:ext>
             </a:extLst>
           </p:cNvPr>
@@ -494,7 +493,7 @@
           <p:cNvPr id="6" name="Slide Number Placeholder 5">
             <a:extLst>
               <a:ext uri="{FF2B5EF4-FFF2-40B4-BE49-F238E27FC236}">
-                <a16:creationId xmlns:a16="http://schemas.microsoft.com/office/drawing/2014/main" id="{D33386CF-FC09-D66F-90F7-2F0FFC2AFE23}"/>
+                <a16:creationId xmlns:a16="http://schemas.microsoft.com/office/drawing/2014/main" id="{58E1E8A5-9967-A36D-7FB8-C9519814E43F}"/>
               </a:ext>
             </a:extLst>
           </p:cNvPr>
@@ -510,7 +509,7 @@
           <a:bodyPr/>
           <a:lstStyle/>
           <a:p>
-            <a:fld id="{2145B9F1-9C33-48D7-9A45-23853AD2D3C7}" type="slidenum">
+            <a:fld id="{C95DB925-86DE-41CE-A2E3-E372F3C664F4}" type="slidenum">
               <a:rPr lang="en-US" smtClean="0"/>
               <a:t>‹#›</a:t>
             </a:fld>
@@ -521,7 +520,7 @@
     </p:spTree>
     <p:extLst>
       <p:ext uri="{BB962C8B-B14F-4D97-AF65-F5344CB8AC3E}">
-        <p14:creationId xmlns:p14="http://schemas.microsoft.com/office/powerpoint/2010/main" val="1807849240"/>
+        <p14:creationId xmlns:p14="http://schemas.microsoft.com/office/powerpoint/2010/main" val="2026980658"/>
       </p:ext>
     </p:extLst>
   </p:cSld>
@@ -553,7 +552,7 @@
           <p:cNvPr id="2" name="Vertical Title 1">
             <a:extLst>
               <a:ext uri="{FF2B5EF4-FFF2-40B4-BE49-F238E27FC236}">
-                <a16:creationId xmlns:a16="http://schemas.microsoft.com/office/drawing/2014/main" id="{670FF244-D7D5-4D4F-F4B1-358DAB364864}"/>
+                <a16:creationId xmlns:a16="http://schemas.microsoft.com/office/drawing/2014/main" id="{9D21BAA1-DF93-516D-B81B-145642E72AF9}"/>
               </a:ext>
             </a:extLst>
           </p:cNvPr>
@@ -586,7 +585,7 @@
           <p:cNvPr id="3" name="Vertical Text Placeholder 2">
             <a:extLst>
               <a:ext uri="{FF2B5EF4-FFF2-40B4-BE49-F238E27FC236}">
-                <a16:creationId xmlns:a16="http://schemas.microsoft.com/office/drawing/2014/main" id="{62D5FA1B-EE17-9387-EBA5-17EDB48D7C6F}"/>
+                <a16:creationId xmlns:a16="http://schemas.microsoft.com/office/drawing/2014/main" id="{EA8BFFF4-D699-3816-C0DE-F70D8372E4C6}"/>
               </a:ext>
             </a:extLst>
           </p:cNvPr>
@@ -648,7 +647,7 @@
           <p:cNvPr id="4" name="Date Placeholder 3">
             <a:extLst>
               <a:ext uri="{FF2B5EF4-FFF2-40B4-BE49-F238E27FC236}">
-                <a16:creationId xmlns:a16="http://schemas.microsoft.com/office/drawing/2014/main" id="{90B4FE8F-64DC-44F9-0230-31A22879BCA6}"/>
+                <a16:creationId xmlns:a16="http://schemas.microsoft.com/office/drawing/2014/main" id="{B4F7215F-59C8-5750-F81A-ABA515AF498F}"/>
               </a:ext>
             </a:extLst>
           </p:cNvPr>
@@ -664,7 +663,7 @@
           <a:bodyPr/>
           <a:lstStyle/>
           <a:p>
-            <a:fld id="{8A21FE5C-AD3B-48F4-80FA-CAF22D437299}" type="datetimeFigureOut">
+            <a:fld id="{BB56E3E3-8720-49A4-BC4F-FB36F977B1B7}" type="datetimeFigureOut">
               <a:rPr lang="en-US" smtClean="0"/>
               <a:t>4/18/2023</a:t>
             </a:fld>
@@ -677,7 +676,7 @@
           <p:cNvPr id="5" name="Footer Placeholder 4">
             <a:extLst>
               <a:ext uri="{FF2B5EF4-FFF2-40B4-BE49-F238E27FC236}">
-                <a16:creationId xmlns:a16="http://schemas.microsoft.com/office/drawing/2014/main" id="{9504EE26-FEEC-B807-539C-4FF21CF73910}"/>
+                <a16:creationId xmlns:a16="http://schemas.microsoft.com/office/drawing/2014/main" id="{E74BCD3C-6F5B-7357-88CB-C33965D79073}"/>
               </a:ext>
             </a:extLst>
           </p:cNvPr>
@@ -702,7 +701,7 @@
           <p:cNvPr id="6" name="Slide Number Placeholder 5">
             <a:extLst>
               <a:ext uri="{FF2B5EF4-FFF2-40B4-BE49-F238E27FC236}">
-                <a16:creationId xmlns:a16="http://schemas.microsoft.com/office/drawing/2014/main" id="{B7DB13B6-14BA-4A1A-F2EC-90390E931305}"/>
+                <a16:creationId xmlns:a16="http://schemas.microsoft.com/office/drawing/2014/main" id="{BB4E573C-2A65-7F22-C352-E1BC97A3A474}"/>
               </a:ext>
             </a:extLst>
           </p:cNvPr>
@@ -718,7 +717,7 @@
           <a:bodyPr/>
           <a:lstStyle/>
           <a:p>
-            <a:fld id="{2145B9F1-9C33-48D7-9A45-23853AD2D3C7}" type="slidenum">
+            <a:fld id="{C95DB925-86DE-41CE-A2E3-E372F3C664F4}" type="slidenum">
               <a:rPr lang="en-US" smtClean="0"/>
               <a:t>‹#›</a:t>
             </a:fld>
@@ -729,7 +728,7 @@
     </p:spTree>
     <p:extLst>
       <p:ext uri="{BB962C8B-B14F-4D97-AF65-F5344CB8AC3E}">
-        <p14:creationId xmlns:p14="http://schemas.microsoft.com/office/powerpoint/2010/main" val="1342486551"/>
+        <p14:creationId xmlns:p14="http://schemas.microsoft.com/office/powerpoint/2010/main" val="2545755497"/>
       </p:ext>
     </p:extLst>
   </p:cSld>
@@ -761,7 +760,7 @@
           <p:cNvPr id="2" name="Title 1">
             <a:extLst>
               <a:ext uri="{FF2B5EF4-FFF2-40B4-BE49-F238E27FC236}">
-                <a16:creationId xmlns:a16="http://schemas.microsoft.com/office/drawing/2014/main" id="{B0E7EB88-AEEC-892A-C14F-CCCD2250BF83}"/>
+                <a16:creationId xmlns:a16="http://schemas.microsoft.com/office/drawing/2014/main" id="{458B686D-31C4-7E5B-5E74-17C773907DF0}"/>
               </a:ext>
             </a:extLst>
           </p:cNvPr>
@@ -789,7 +788,7 @@
           <p:cNvPr id="3" name="Content Placeholder 2">
             <a:extLst>
               <a:ext uri="{FF2B5EF4-FFF2-40B4-BE49-F238E27FC236}">
-                <a16:creationId xmlns:a16="http://schemas.microsoft.com/office/drawing/2014/main" id="{2FBC4B6E-1E0D-AF6C-21D4-8643B007552C}"/>
+                <a16:creationId xmlns:a16="http://schemas.microsoft.com/office/drawing/2014/main" id="{E64A8AFE-4BE8-6893-744B-A785C0BE78FA}"/>
               </a:ext>
             </a:extLst>
           </p:cNvPr>
@@ -846,7 +845,7 @@
           <p:cNvPr id="4" name="Date Placeholder 3">
             <a:extLst>
               <a:ext uri="{FF2B5EF4-FFF2-40B4-BE49-F238E27FC236}">
-                <a16:creationId xmlns:a16="http://schemas.microsoft.com/office/drawing/2014/main" id="{860BF411-3AFC-0043-4022-883B5D246B3E}"/>
+                <a16:creationId xmlns:a16="http://schemas.microsoft.com/office/drawing/2014/main" id="{A6829201-E266-FBB1-EC6D-C4D84F497D58}"/>
               </a:ext>
             </a:extLst>
           </p:cNvPr>
@@ -862,7 +861,7 @@
           <a:bodyPr/>
           <a:lstStyle/>
           <a:p>
-            <a:fld id="{8A21FE5C-AD3B-48F4-80FA-CAF22D437299}" type="datetimeFigureOut">
+            <a:fld id="{BB56E3E3-8720-49A4-BC4F-FB36F977B1B7}" type="datetimeFigureOut">
               <a:rPr lang="en-US" smtClean="0"/>
               <a:t>4/18/2023</a:t>
             </a:fld>
@@ -875,7 +874,7 @@
           <p:cNvPr id="5" name="Footer Placeholder 4">
             <a:extLst>
               <a:ext uri="{FF2B5EF4-FFF2-40B4-BE49-F238E27FC236}">
-                <a16:creationId xmlns:a16="http://schemas.microsoft.com/office/drawing/2014/main" id="{9200E581-9161-E415-C27A-0D5FAF743C41}"/>
+                <a16:creationId xmlns:a16="http://schemas.microsoft.com/office/drawing/2014/main" id="{D2ABC94B-E63E-CA1D-0B90-72328A6A1566}"/>
               </a:ext>
             </a:extLst>
           </p:cNvPr>
@@ -900,7 +899,7 @@
           <p:cNvPr id="6" name="Slide Number Placeholder 5">
             <a:extLst>
               <a:ext uri="{FF2B5EF4-FFF2-40B4-BE49-F238E27FC236}">
-                <a16:creationId xmlns:a16="http://schemas.microsoft.com/office/drawing/2014/main" id="{32D8EAD5-FA98-D04D-945F-20BACBED568F}"/>
+                <a16:creationId xmlns:a16="http://schemas.microsoft.com/office/drawing/2014/main" id="{F6C95C4B-7823-DA78-1185-AEFA198713DE}"/>
               </a:ext>
             </a:extLst>
           </p:cNvPr>
@@ -916,7 +915,7 @@
           <a:bodyPr/>
           <a:lstStyle/>
           <a:p>
-            <a:fld id="{2145B9F1-9C33-48D7-9A45-23853AD2D3C7}" type="slidenum">
+            <a:fld id="{C95DB925-86DE-41CE-A2E3-E372F3C664F4}" type="slidenum">
               <a:rPr lang="en-US" smtClean="0"/>
               <a:t>‹#›</a:t>
             </a:fld>
@@ -927,7 +926,7 @@
     </p:spTree>
     <p:extLst>
       <p:ext uri="{BB962C8B-B14F-4D97-AF65-F5344CB8AC3E}">
-        <p14:creationId xmlns:p14="http://schemas.microsoft.com/office/powerpoint/2010/main" val="2818179311"/>
+        <p14:creationId xmlns:p14="http://schemas.microsoft.com/office/powerpoint/2010/main" val="3932747310"/>
       </p:ext>
     </p:extLst>
   </p:cSld>
@@ -959,7 +958,7 @@
           <p:cNvPr id="2" name="Title 1">
             <a:extLst>
               <a:ext uri="{FF2B5EF4-FFF2-40B4-BE49-F238E27FC236}">
-                <a16:creationId xmlns:a16="http://schemas.microsoft.com/office/drawing/2014/main" id="{0E517A10-EDB3-AB44-A6FC-37C8AF8D01B0}"/>
+                <a16:creationId xmlns:a16="http://schemas.microsoft.com/office/drawing/2014/main" id="{20A106E6-AFA6-AD9A-3214-900C22A05438}"/>
               </a:ext>
             </a:extLst>
           </p:cNvPr>
@@ -996,7 +995,7 @@
           <p:cNvPr id="3" name="Text Placeholder 2">
             <a:extLst>
               <a:ext uri="{FF2B5EF4-FFF2-40B4-BE49-F238E27FC236}">
-                <a16:creationId xmlns:a16="http://schemas.microsoft.com/office/drawing/2014/main" id="{5D5C5485-A91E-3E07-B73D-C3C7815A73B5}"/>
+                <a16:creationId xmlns:a16="http://schemas.microsoft.com/office/drawing/2014/main" id="{74820D47-F5A1-3AC2-792F-773BBA4B9EBA}"/>
               </a:ext>
             </a:extLst>
           </p:cNvPr>
@@ -1121,7 +1120,7 @@
           <p:cNvPr id="4" name="Date Placeholder 3">
             <a:extLst>
               <a:ext uri="{FF2B5EF4-FFF2-40B4-BE49-F238E27FC236}">
-                <a16:creationId xmlns:a16="http://schemas.microsoft.com/office/drawing/2014/main" id="{30AFA024-C34A-0952-8620-9897A67B9D42}"/>
+                <a16:creationId xmlns:a16="http://schemas.microsoft.com/office/drawing/2014/main" id="{F1F3B521-FAE2-7E62-28D2-854A60F7584D}"/>
               </a:ext>
             </a:extLst>
           </p:cNvPr>
@@ -1137,7 +1136,7 @@
           <a:bodyPr/>
           <a:lstStyle/>
           <a:p>
-            <a:fld id="{8A21FE5C-AD3B-48F4-80FA-CAF22D437299}" type="datetimeFigureOut">
+            <a:fld id="{BB56E3E3-8720-49A4-BC4F-FB36F977B1B7}" type="datetimeFigureOut">
               <a:rPr lang="en-US" smtClean="0"/>
               <a:t>4/18/2023</a:t>
             </a:fld>
@@ -1150,7 +1149,7 @@
           <p:cNvPr id="5" name="Footer Placeholder 4">
             <a:extLst>
               <a:ext uri="{FF2B5EF4-FFF2-40B4-BE49-F238E27FC236}">
-                <a16:creationId xmlns:a16="http://schemas.microsoft.com/office/drawing/2014/main" id="{568A0B7C-E172-8F3F-DD48-006110340463}"/>
+                <a16:creationId xmlns:a16="http://schemas.microsoft.com/office/drawing/2014/main" id="{6E74B177-606A-F311-1113-CF61E1FCCD98}"/>
               </a:ext>
             </a:extLst>
           </p:cNvPr>
@@ -1175,7 +1174,7 @@
           <p:cNvPr id="6" name="Slide Number Placeholder 5">
             <a:extLst>
               <a:ext uri="{FF2B5EF4-FFF2-40B4-BE49-F238E27FC236}">
-                <a16:creationId xmlns:a16="http://schemas.microsoft.com/office/drawing/2014/main" id="{C018F64A-8AB4-0CC5-4E13-9589B72165C1}"/>
+                <a16:creationId xmlns:a16="http://schemas.microsoft.com/office/drawing/2014/main" id="{9900368C-0518-8EFB-17DB-E345E4B87CC0}"/>
               </a:ext>
             </a:extLst>
           </p:cNvPr>
@@ -1191,7 +1190,7 @@
           <a:bodyPr/>
           <a:lstStyle/>
           <a:p>
-            <a:fld id="{2145B9F1-9C33-48D7-9A45-23853AD2D3C7}" type="slidenum">
+            <a:fld id="{C95DB925-86DE-41CE-A2E3-E372F3C664F4}" type="slidenum">
               <a:rPr lang="en-US" smtClean="0"/>
               <a:t>‹#›</a:t>
             </a:fld>
@@ -1202,7 +1201,7 @@
     </p:spTree>
     <p:extLst>
       <p:ext uri="{BB962C8B-B14F-4D97-AF65-F5344CB8AC3E}">
-        <p14:creationId xmlns:p14="http://schemas.microsoft.com/office/powerpoint/2010/main" val="3496634890"/>
+        <p14:creationId xmlns:p14="http://schemas.microsoft.com/office/powerpoint/2010/main" val="2775151216"/>
       </p:ext>
     </p:extLst>
   </p:cSld>
@@ -1234,7 +1233,7 @@
           <p:cNvPr id="2" name="Title 1">
             <a:extLst>
               <a:ext uri="{FF2B5EF4-FFF2-40B4-BE49-F238E27FC236}">
-                <a16:creationId xmlns:a16="http://schemas.microsoft.com/office/drawing/2014/main" id="{468FFD06-F822-41D7-08F6-3FE1B527FCF7}"/>
+                <a16:creationId xmlns:a16="http://schemas.microsoft.com/office/drawing/2014/main" id="{A9661880-65E4-CE6E-6A69-9552D177ABA8}"/>
               </a:ext>
             </a:extLst>
           </p:cNvPr>
@@ -1262,7 +1261,7 @@
           <p:cNvPr id="3" name="Content Placeholder 2">
             <a:extLst>
               <a:ext uri="{FF2B5EF4-FFF2-40B4-BE49-F238E27FC236}">
-                <a16:creationId xmlns:a16="http://schemas.microsoft.com/office/drawing/2014/main" id="{D7A75D5D-A971-00DC-160C-398588067A7C}"/>
+                <a16:creationId xmlns:a16="http://schemas.microsoft.com/office/drawing/2014/main" id="{750F41A2-D2A7-7625-9BE4-1F53EDCC5C64}"/>
               </a:ext>
             </a:extLst>
           </p:cNvPr>
@@ -1324,7 +1323,7 @@
           <p:cNvPr id="4" name="Content Placeholder 3">
             <a:extLst>
               <a:ext uri="{FF2B5EF4-FFF2-40B4-BE49-F238E27FC236}">
-                <a16:creationId xmlns:a16="http://schemas.microsoft.com/office/drawing/2014/main" id="{CB20C8F3-E164-B7A9-B43B-6756CA47E4FA}"/>
+                <a16:creationId xmlns:a16="http://schemas.microsoft.com/office/drawing/2014/main" id="{D90CACA8-F318-2723-1CB2-A0B8F75C3D0B}"/>
               </a:ext>
             </a:extLst>
           </p:cNvPr>
@@ -1386,7 +1385,7 @@
           <p:cNvPr id="5" name="Date Placeholder 4">
             <a:extLst>
               <a:ext uri="{FF2B5EF4-FFF2-40B4-BE49-F238E27FC236}">
-                <a16:creationId xmlns:a16="http://schemas.microsoft.com/office/drawing/2014/main" id="{9A482CAD-9D21-6436-768A-70160C23059C}"/>
+                <a16:creationId xmlns:a16="http://schemas.microsoft.com/office/drawing/2014/main" id="{AA5ED42C-C6A3-4DB7-E8E3-3E7B4366256E}"/>
               </a:ext>
             </a:extLst>
           </p:cNvPr>
@@ -1402,7 +1401,7 @@
           <a:bodyPr/>
           <a:lstStyle/>
           <a:p>
-            <a:fld id="{8A21FE5C-AD3B-48F4-80FA-CAF22D437299}" type="datetimeFigureOut">
+            <a:fld id="{BB56E3E3-8720-49A4-BC4F-FB36F977B1B7}" type="datetimeFigureOut">
               <a:rPr lang="en-US" smtClean="0"/>
               <a:t>4/18/2023</a:t>
             </a:fld>
@@ -1415,7 +1414,7 @@
           <p:cNvPr id="6" name="Footer Placeholder 5">
             <a:extLst>
               <a:ext uri="{FF2B5EF4-FFF2-40B4-BE49-F238E27FC236}">
-                <a16:creationId xmlns:a16="http://schemas.microsoft.com/office/drawing/2014/main" id="{7EFA5325-9239-B484-E751-03150A985013}"/>
+                <a16:creationId xmlns:a16="http://schemas.microsoft.com/office/drawing/2014/main" id="{E9137E12-2493-C553-8D0A-07869AD15510}"/>
               </a:ext>
             </a:extLst>
           </p:cNvPr>
@@ -1440,7 +1439,7 @@
           <p:cNvPr id="7" name="Slide Number Placeholder 6">
             <a:extLst>
               <a:ext uri="{FF2B5EF4-FFF2-40B4-BE49-F238E27FC236}">
-                <a16:creationId xmlns:a16="http://schemas.microsoft.com/office/drawing/2014/main" id="{11257143-DFE6-2284-4DFC-75DF82D82153}"/>
+                <a16:creationId xmlns:a16="http://schemas.microsoft.com/office/drawing/2014/main" id="{67233D82-A037-3234-3DE2-833128373A07}"/>
               </a:ext>
             </a:extLst>
           </p:cNvPr>
@@ -1456,7 +1455,7 @@
           <a:bodyPr/>
           <a:lstStyle/>
           <a:p>
-            <a:fld id="{2145B9F1-9C33-48D7-9A45-23853AD2D3C7}" type="slidenum">
+            <a:fld id="{C95DB925-86DE-41CE-A2E3-E372F3C664F4}" type="slidenum">
               <a:rPr lang="en-US" smtClean="0"/>
               <a:t>‹#›</a:t>
             </a:fld>
@@ -1467,7 +1466,7 @@
     </p:spTree>
     <p:extLst>
       <p:ext uri="{BB962C8B-B14F-4D97-AF65-F5344CB8AC3E}">
-        <p14:creationId xmlns:p14="http://schemas.microsoft.com/office/powerpoint/2010/main" val="3183713530"/>
+        <p14:creationId xmlns:p14="http://schemas.microsoft.com/office/powerpoint/2010/main" val="773611534"/>
       </p:ext>
     </p:extLst>
   </p:cSld>
@@ -1499,7 +1498,7 @@
           <p:cNvPr id="2" name="Title 1">
             <a:extLst>
               <a:ext uri="{FF2B5EF4-FFF2-40B4-BE49-F238E27FC236}">
-                <a16:creationId xmlns:a16="http://schemas.microsoft.com/office/drawing/2014/main" id="{569CC57F-8DC1-0A7C-8122-E627C86C84CA}"/>
+                <a16:creationId xmlns:a16="http://schemas.microsoft.com/office/drawing/2014/main" id="{32AF1284-793C-862D-8ADE-AAC0AD6C27D9}"/>
               </a:ext>
             </a:extLst>
           </p:cNvPr>
@@ -1532,7 +1531,7 @@
           <p:cNvPr id="3" name="Text Placeholder 2">
             <a:extLst>
               <a:ext uri="{FF2B5EF4-FFF2-40B4-BE49-F238E27FC236}">
-                <a16:creationId xmlns:a16="http://schemas.microsoft.com/office/drawing/2014/main" id="{05B3416C-A648-2207-A69F-B20F8D361FF1}"/>
+                <a16:creationId xmlns:a16="http://schemas.microsoft.com/office/drawing/2014/main" id="{2CE4D7EB-D0AD-FBCF-8E5B-72C62FA37D49}"/>
               </a:ext>
             </a:extLst>
           </p:cNvPr>
@@ -1603,7 +1602,7 @@
           <p:cNvPr id="4" name="Content Placeholder 3">
             <a:extLst>
               <a:ext uri="{FF2B5EF4-FFF2-40B4-BE49-F238E27FC236}">
-                <a16:creationId xmlns:a16="http://schemas.microsoft.com/office/drawing/2014/main" id="{371AF41F-21E3-1CC7-1369-5CC9CD306138}"/>
+                <a16:creationId xmlns:a16="http://schemas.microsoft.com/office/drawing/2014/main" id="{7E6B339B-CB42-9BD0-FDC5-EC6C350199FB}"/>
               </a:ext>
             </a:extLst>
           </p:cNvPr>
@@ -1665,7 +1664,7 @@
           <p:cNvPr id="5" name="Text Placeholder 4">
             <a:extLst>
               <a:ext uri="{FF2B5EF4-FFF2-40B4-BE49-F238E27FC236}">
-                <a16:creationId xmlns:a16="http://schemas.microsoft.com/office/drawing/2014/main" id="{C9D45803-3A67-936F-CB0D-B3B1CE7BE2D1}"/>
+                <a16:creationId xmlns:a16="http://schemas.microsoft.com/office/drawing/2014/main" id="{DBCE62BD-6A20-9A0D-7E54-C743D074AE99}"/>
               </a:ext>
             </a:extLst>
           </p:cNvPr>
@@ -1736,7 +1735,7 @@
           <p:cNvPr id="6" name="Content Placeholder 5">
             <a:extLst>
               <a:ext uri="{FF2B5EF4-FFF2-40B4-BE49-F238E27FC236}">
-                <a16:creationId xmlns:a16="http://schemas.microsoft.com/office/drawing/2014/main" id="{9D27A980-F7E6-9774-0059-EE3070775289}"/>
+                <a16:creationId xmlns:a16="http://schemas.microsoft.com/office/drawing/2014/main" id="{83D3B616-A42D-A8A2-9852-539B15F06422}"/>
               </a:ext>
             </a:extLst>
           </p:cNvPr>
@@ -1798,7 +1797,7 @@
           <p:cNvPr id="7" name="Date Placeholder 6">
             <a:extLst>
               <a:ext uri="{FF2B5EF4-FFF2-40B4-BE49-F238E27FC236}">
-                <a16:creationId xmlns:a16="http://schemas.microsoft.com/office/drawing/2014/main" id="{E0A768C4-BBA8-946C-BBEF-A9B3A803D0C3}"/>
+                <a16:creationId xmlns:a16="http://schemas.microsoft.com/office/drawing/2014/main" id="{74079D7D-B68E-B239-9AAD-B50CABAB8970}"/>
               </a:ext>
             </a:extLst>
           </p:cNvPr>
@@ -1814,7 +1813,7 @@
           <a:bodyPr/>
           <a:lstStyle/>
           <a:p>
-            <a:fld id="{8A21FE5C-AD3B-48F4-80FA-CAF22D437299}" type="datetimeFigureOut">
+            <a:fld id="{BB56E3E3-8720-49A4-BC4F-FB36F977B1B7}" type="datetimeFigureOut">
               <a:rPr lang="en-US" smtClean="0"/>
               <a:t>4/18/2023</a:t>
             </a:fld>
@@ -1827,7 +1826,7 @@
           <p:cNvPr id="8" name="Footer Placeholder 7">
             <a:extLst>
               <a:ext uri="{FF2B5EF4-FFF2-40B4-BE49-F238E27FC236}">
-                <a16:creationId xmlns:a16="http://schemas.microsoft.com/office/drawing/2014/main" id="{CC150A01-50E6-0F92-2128-6E88F93850B1}"/>
+                <a16:creationId xmlns:a16="http://schemas.microsoft.com/office/drawing/2014/main" id="{90CDA861-54D9-D4A9-DA8C-63AC7C147EEB}"/>
               </a:ext>
             </a:extLst>
           </p:cNvPr>
@@ -1852,7 +1851,7 @@
           <p:cNvPr id="9" name="Slide Number Placeholder 8">
             <a:extLst>
               <a:ext uri="{FF2B5EF4-FFF2-40B4-BE49-F238E27FC236}">
-                <a16:creationId xmlns:a16="http://schemas.microsoft.com/office/drawing/2014/main" id="{D6254DE4-390C-0328-3A4E-A8532B97658D}"/>
+                <a16:creationId xmlns:a16="http://schemas.microsoft.com/office/drawing/2014/main" id="{47FCC236-765A-B38C-7BA5-A618C73AB65E}"/>
               </a:ext>
             </a:extLst>
           </p:cNvPr>
@@ -1868,7 +1867,7 @@
           <a:bodyPr/>
           <a:lstStyle/>
           <a:p>
-            <a:fld id="{2145B9F1-9C33-48D7-9A45-23853AD2D3C7}" type="slidenum">
+            <a:fld id="{C95DB925-86DE-41CE-A2E3-E372F3C664F4}" type="slidenum">
               <a:rPr lang="en-US" smtClean="0"/>
               <a:t>‹#›</a:t>
             </a:fld>
@@ -1879,7 +1878,7 @@
     </p:spTree>
     <p:extLst>
       <p:ext uri="{BB962C8B-B14F-4D97-AF65-F5344CB8AC3E}">
-        <p14:creationId xmlns:p14="http://schemas.microsoft.com/office/powerpoint/2010/main" val="2676892948"/>
+        <p14:creationId xmlns:p14="http://schemas.microsoft.com/office/powerpoint/2010/main" val="2728735223"/>
       </p:ext>
     </p:extLst>
   </p:cSld>
@@ -1911,7 +1910,7 @@
           <p:cNvPr id="2" name="Title 1">
             <a:extLst>
               <a:ext uri="{FF2B5EF4-FFF2-40B4-BE49-F238E27FC236}">
-                <a16:creationId xmlns:a16="http://schemas.microsoft.com/office/drawing/2014/main" id="{C711D08B-DEEC-6D96-DB85-4549E58A54CD}"/>
+                <a16:creationId xmlns:a16="http://schemas.microsoft.com/office/drawing/2014/main" id="{2A7C4466-BDA3-18D9-7616-926C33CB02C1}"/>
               </a:ext>
             </a:extLst>
           </p:cNvPr>
@@ -1939,7 +1938,7 @@
           <p:cNvPr id="3" name="Date Placeholder 2">
             <a:extLst>
               <a:ext uri="{FF2B5EF4-FFF2-40B4-BE49-F238E27FC236}">
-                <a16:creationId xmlns:a16="http://schemas.microsoft.com/office/drawing/2014/main" id="{AF20BBAA-7824-5843-E7B1-9C4AE8C03541}"/>
+                <a16:creationId xmlns:a16="http://schemas.microsoft.com/office/drawing/2014/main" id="{A6D09838-10DA-C49E-A40E-3CA910E08EB0}"/>
               </a:ext>
             </a:extLst>
           </p:cNvPr>
@@ -1955,7 +1954,7 @@
           <a:bodyPr/>
           <a:lstStyle/>
           <a:p>
-            <a:fld id="{8A21FE5C-AD3B-48F4-80FA-CAF22D437299}" type="datetimeFigureOut">
+            <a:fld id="{BB56E3E3-8720-49A4-BC4F-FB36F977B1B7}" type="datetimeFigureOut">
               <a:rPr lang="en-US" smtClean="0"/>
               <a:t>4/18/2023</a:t>
             </a:fld>
@@ -1968,7 +1967,7 @@
           <p:cNvPr id="4" name="Footer Placeholder 3">
             <a:extLst>
               <a:ext uri="{FF2B5EF4-FFF2-40B4-BE49-F238E27FC236}">
-                <a16:creationId xmlns:a16="http://schemas.microsoft.com/office/drawing/2014/main" id="{EDCB3083-FAC9-3052-D036-10D8D60B4F02}"/>
+                <a16:creationId xmlns:a16="http://schemas.microsoft.com/office/drawing/2014/main" id="{75C5F8FE-47AD-85D5-9DC4-F90889767C8E}"/>
               </a:ext>
             </a:extLst>
           </p:cNvPr>
@@ -1993,7 +1992,7 @@
           <p:cNvPr id="5" name="Slide Number Placeholder 4">
             <a:extLst>
               <a:ext uri="{FF2B5EF4-FFF2-40B4-BE49-F238E27FC236}">
-                <a16:creationId xmlns:a16="http://schemas.microsoft.com/office/drawing/2014/main" id="{CDEB14AF-7BD1-735A-5F84-1AD1023C96D7}"/>
+                <a16:creationId xmlns:a16="http://schemas.microsoft.com/office/drawing/2014/main" id="{49B9192F-F6A6-8BA7-3E5C-44A20E494A7B}"/>
               </a:ext>
             </a:extLst>
           </p:cNvPr>
@@ -2009,7 +2008,7 @@
           <a:bodyPr/>
           <a:lstStyle/>
           <a:p>
-            <a:fld id="{2145B9F1-9C33-48D7-9A45-23853AD2D3C7}" type="slidenum">
+            <a:fld id="{C95DB925-86DE-41CE-A2E3-E372F3C664F4}" type="slidenum">
               <a:rPr lang="en-US" smtClean="0"/>
               <a:t>‹#›</a:t>
             </a:fld>
@@ -2020,7 +2019,7 @@
     </p:spTree>
     <p:extLst>
       <p:ext uri="{BB962C8B-B14F-4D97-AF65-F5344CB8AC3E}">
-        <p14:creationId xmlns:p14="http://schemas.microsoft.com/office/powerpoint/2010/main" val="2496767720"/>
+        <p14:creationId xmlns:p14="http://schemas.microsoft.com/office/powerpoint/2010/main" val="2665837317"/>
       </p:ext>
     </p:extLst>
   </p:cSld>
@@ -2052,7 +2051,7 @@
           <p:cNvPr id="2" name="Date Placeholder 1">
             <a:extLst>
               <a:ext uri="{FF2B5EF4-FFF2-40B4-BE49-F238E27FC236}">
-                <a16:creationId xmlns:a16="http://schemas.microsoft.com/office/drawing/2014/main" id="{F2676C17-AE28-D6FC-A3C6-8CFE126A7676}"/>
+                <a16:creationId xmlns:a16="http://schemas.microsoft.com/office/drawing/2014/main" id="{5CF7C149-7C40-B4A3-4240-A7A893DB5E6E}"/>
               </a:ext>
             </a:extLst>
           </p:cNvPr>
@@ -2068,7 +2067,7 @@
           <a:bodyPr/>
           <a:lstStyle/>
           <a:p>
-            <a:fld id="{8A21FE5C-AD3B-48F4-80FA-CAF22D437299}" type="datetimeFigureOut">
+            <a:fld id="{BB56E3E3-8720-49A4-BC4F-FB36F977B1B7}" type="datetimeFigureOut">
               <a:rPr lang="en-US" smtClean="0"/>
               <a:t>4/18/2023</a:t>
             </a:fld>
@@ -2081,7 +2080,7 @@
           <p:cNvPr id="3" name="Footer Placeholder 2">
             <a:extLst>
               <a:ext uri="{FF2B5EF4-FFF2-40B4-BE49-F238E27FC236}">
-                <a16:creationId xmlns:a16="http://schemas.microsoft.com/office/drawing/2014/main" id="{3C35E3F1-22AA-96F0-AF25-E035EC383A03}"/>
+                <a16:creationId xmlns:a16="http://schemas.microsoft.com/office/drawing/2014/main" id="{FAC63BBF-6692-E386-E5D9-74246F8F6B9C}"/>
               </a:ext>
             </a:extLst>
           </p:cNvPr>
@@ -2106,7 +2105,7 @@
           <p:cNvPr id="4" name="Slide Number Placeholder 3">
             <a:extLst>
               <a:ext uri="{FF2B5EF4-FFF2-40B4-BE49-F238E27FC236}">
-                <a16:creationId xmlns:a16="http://schemas.microsoft.com/office/drawing/2014/main" id="{2578EA98-4584-C315-CC39-5D1FC5B03343}"/>
+                <a16:creationId xmlns:a16="http://schemas.microsoft.com/office/drawing/2014/main" id="{534E2FBB-861B-795D-4AE3-A4F7C82C5FDD}"/>
               </a:ext>
             </a:extLst>
           </p:cNvPr>
@@ -2122,7 +2121,7 @@
           <a:bodyPr/>
           <a:lstStyle/>
           <a:p>
-            <a:fld id="{2145B9F1-9C33-48D7-9A45-23853AD2D3C7}" type="slidenum">
+            <a:fld id="{C95DB925-86DE-41CE-A2E3-E372F3C664F4}" type="slidenum">
               <a:rPr lang="en-US" smtClean="0"/>
               <a:t>‹#›</a:t>
             </a:fld>
@@ -2133,7 +2132,7 @@
     </p:spTree>
     <p:extLst>
       <p:ext uri="{BB962C8B-B14F-4D97-AF65-F5344CB8AC3E}">
-        <p14:creationId xmlns:p14="http://schemas.microsoft.com/office/powerpoint/2010/main" val="2557266901"/>
+        <p14:creationId xmlns:p14="http://schemas.microsoft.com/office/powerpoint/2010/main" val="134365902"/>
       </p:ext>
     </p:extLst>
   </p:cSld>
@@ -2165,7 +2164,7 @@
           <p:cNvPr id="2" name="Title 1">
             <a:extLst>
               <a:ext uri="{FF2B5EF4-FFF2-40B4-BE49-F238E27FC236}">
-                <a16:creationId xmlns:a16="http://schemas.microsoft.com/office/drawing/2014/main" id="{85C5BBCC-5389-92AD-3039-EFDE75370EB0}"/>
+                <a16:creationId xmlns:a16="http://schemas.microsoft.com/office/drawing/2014/main" id="{399481B0-B656-7CCE-586D-68BF0663A979}"/>
               </a:ext>
             </a:extLst>
           </p:cNvPr>
@@ -2202,7 +2201,7 @@
           <p:cNvPr id="3" name="Content Placeholder 2">
             <a:extLst>
               <a:ext uri="{FF2B5EF4-FFF2-40B4-BE49-F238E27FC236}">
-                <a16:creationId xmlns:a16="http://schemas.microsoft.com/office/drawing/2014/main" id="{1D897F49-CEE6-3BB2-1EA1-F6808B101316}"/>
+                <a16:creationId xmlns:a16="http://schemas.microsoft.com/office/drawing/2014/main" id="{33A76722-EDE2-ABE1-467D-B3A1FB30760D}"/>
               </a:ext>
             </a:extLst>
           </p:cNvPr>
@@ -2292,7 +2291,7 @@
           <p:cNvPr id="4" name="Text Placeholder 3">
             <a:extLst>
               <a:ext uri="{FF2B5EF4-FFF2-40B4-BE49-F238E27FC236}">
-                <a16:creationId xmlns:a16="http://schemas.microsoft.com/office/drawing/2014/main" id="{1473FD73-FD9E-4348-C43B-9681B3AA4482}"/>
+                <a16:creationId xmlns:a16="http://schemas.microsoft.com/office/drawing/2014/main" id="{9037A593-E600-1600-F4DC-055210701B6C}"/>
               </a:ext>
             </a:extLst>
           </p:cNvPr>
@@ -2363,7 +2362,7 @@
           <p:cNvPr id="5" name="Date Placeholder 4">
             <a:extLst>
               <a:ext uri="{FF2B5EF4-FFF2-40B4-BE49-F238E27FC236}">
-                <a16:creationId xmlns:a16="http://schemas.microsoft.com/office/drawing/2014/main" id="{61C1D80E-9C86-47D0-E46B-2B00BB55B1A2}"/>
+                <a16:creationId xmlns:a16="http://schemas.microsoft.com/office/drawing/2014/main" id="{410F4966-CE09-E680-A9C2-804E51C90AE7}"/>
               </a:ext>
             </a:extLst>
           </p:cNvPr>
@@ -2379,7 +2378,7 @@
           <a:bodyPr/>
           <a:lstStyle/>
           <a:p>
-            <a:fld id="{8A21FE5C-AD3B-48F4-80FA-CAF22D437299}" type="datetimeFigureOut">
+            <a:fld id="{BB56E3E3-8720-49A4-BC4F-FB36F977B1B7}" type="datetimeFigureOut">
               <a:rPr lang="en-US" smtClean="0"/>
               <a:t>4/18/2023</a:t>
             </a:fld>
@@ -2392,7 +2391,7 @@
           <p:cNvPr id="6" name="Footer Placeholder 5">
             <a:extLst>
               <a:ext uri="{FF2B5EF4-FFF2-40B4-BE49-F238E27FC236}">
-                <a16:creationId xmlns:a16="http://schemas.microsoft.com/office/drawing/2014/main" id="{4C035718-8851-8898-1A95-DC4010F4D0E3}"/>
+                <a16:creationId xmlns:a16="http://schemas.microsoft.com/office/drawing/2014/main" id="{BA3ED4A3-E0F6-486A-D708-FD9494496F85}"/>
               </a:ext>
             </a:extLst>
           </p:cNvPr>
@@ -2417,7 +2416,7 @@
           <p:cNvPr id="7" name="Slide Number Placeholder 6">
             <a:extLst>
               <a:ext uri="{FF2B5EF4-FFF2-40B4-BE49-F238E27FC236}">
-                <a16:creationId xmlns:a16="http://schemas.microsoft.com/office/drawing/2014/main" id="{CCF7030D-2276-D5DE-10F0-82F1BA189247}"/>
+                <a16:creationId xmlns:a16="http://schemas.microsoft.com/office/drawing/2014/main" id="{A7A9D016-2B88-32E8-85AB-80E7860FF036}"/>
               </a:ext>
             </a:extLst>
           </p:cNvPr>
@@ -2433,7 +2432,7 @@
           <a:bodyPr/>
           <a:lstStyle/>
           <a:p>
-            <a:fld id="{2145B9F1-9C33-48D7-9A45-23853AD2D3C7}" type="slidenum">
+            <a:fld id="{C95DB925-86DE-41CE-A2E3-E372F3C664F4}" type="slidenum">
               <a:rPr lang="en-US" smtClean="0"/>
               <a:t>‹#›</a:t>
             </a:fld>
@@ -2444,7 +2443,7 @@
     </p:spTree>
     <p:extLst>
       <p:ext uri="{BB962C8B-B14F-4D97-AF65-F5344CB8AC3E}">
-        <p14:creationId xmlns:p14="http://schemas.microsoft.com/office/powerpoint/2010/main" val="1537629050"/>
+        <p14:creationId xmlns:p14="http://schemas.microsoft.com/office/powerpoint/2010/main" val="3967821961"/>
       </p:ext>
     </p:extLst>
   </p:cSld>
@@ -2476,7 +2475,7 @@
           <p:cNvPr id="2" name="Title 1">
             <a:extLst>
               <a:ext uri="{FF2B5EF4-FFF2-40B4-BE49-F238E27FC236}">
-                <a16:creationId xmlns:a16="http://schemas.microsoft.com/office/drawing/2014/main" id="{3B2AF441-35B7-3BC8-3730-D94ED542DDC3}"/>
+                <a16:creationId xmlns:a16="http://schemas.microsoft.com/office/drawing/2014/main" id="{342D87D1-59CB-95B2-601D-BA0AB34E445C}"/>
               </a:ext>
             </a:extLst>
           </p:cNvPr>
@@ -2513,7 +2512,7 @@
           <p:cNvPr id="3" name="Picture Placeholder 2">
             <a:extLst>
               <a:ext uri="{FF2B5EF4-FFF2-40B4-BE49-F238E27FC236}">
-                <a16:creationId xmlns:a16="http://schemas.microsoft.com/office/drawing/2014/main" id="{E49AF7B2-AB30-8FB2-B347-76939AA4C5F1}"/>
+                <a16:creationId xmlns:a16="http://schemas.microsoft.com/office/drawing/2014/main" id="{CFC821CA-05DB-84A1-7F06-729086DEDFE3}"/>
               </a:ext>
             </a:extLst>
           </p:cNvPr>
@@ -2580,7 +2579,7 @@
           <p:cNvPr id="4" name="Text Placeholder 3">
             <a:extLst>
               <a:ext uri="{FF2B5EF4-FFF2-40B4-BE49-F238E27FC236}">
-                <a16:creationId xmlns:a16="http://schemas.microsoft.com/office/drawing/2014/main" id="{F2300EF0-7994-C464-615F-15D146A5A33F}"/>
+                <a16:creationId xmlns:a16="http://schemas.microsoft.com/office/drawing/2014/main" id="{E621191A-10E7-3B7D-364D-E9889F0061AB}"/>
               </a:ext>
             </a:extLst>
           </p:cNvPr>
@@ -2651,7 +2650,7 @@
           <p:cNvPr id="5" name="Date Placeholder 4">
             <a:extLst>
               <a:ext uri="{FF2B5EF4-FFF2-40B4-BE49-F238E27FC236}">
-                <a16:creationId xmlns:a16="http://schemas.microsoft.com/office/drawing/2014/main" id="{8A427BF9-A326-AF78-2A50-0DF992C17FE5}"/>
+                <a16:creationId xmlns:a16="http://schemas.microsoft.com/office/drawing/2014/main" id="{6DB95C0E-F214-9DA1-2738-4F977E2205B3}"/>
               </a:ext>
             </a:extLst>
           </p:cNvPr>
@@ -2667,7 +2666,7 @@
           <a:bodyPr/>
           <a:lstStyle/>
           <a:p>
-            <a:fld id="{8A21FE5C-AD3B-48F4-80FA-CAF22D437299}" type="datetimeFigureOut">
+            <a:fld id="{BB56E3E3-8720-49A4-BC4F-FB36F977B1B7}" type="datetimeFigureOut">
               <a:rPr lang="en-US" smtClean="0"/>
               <a:t>4/18/2023</a:t>
             </a:fld>
@@ -2680,7 +2679,7 @@
           <p:cNvPr id="6" name="Footer Placeholder 5">
             <a:extLst>
               <a:ext uri="{FF2B5EF4-FFF2-40B4-BE49-F238E27FC236}">
-                <a16:creationId xmlns:a16="http://schemas.microsoft.com/office/drawing/2014/main" id="{658EBE41-202F-D196-8314-84810D34E316}"/>
+                <a16:creationId xmlns:a16="http://schemas.microsoft.com/office/drawing/2014/main" id="{86CB1EEB-08BB-5799-4F84-E88FD0DA9E19}"/>
               </a:ext>
             </a:extLst>
           </p:cNvPr>
@@ -2705,7 +2704,7 @@
           <p:cNvPr id="7" name="Slide Number Placeholder 6">
             <a:extLst>
               <a:ext uri="{FF2B5EF4-FFF2-40B4-BE49-F238E27FC236}">
-                <a16:creationId xmlns:a16="http://schemas.microsoft.com/office/drawing/2014/main" id="{7A7B6454-6527-B36E-04A7-037556A134F9}"/>
+                <a16:creationId xmlns:a16="http://schemas.microsoft.com/office/drawing/2014/main" id="{3B616993-C508-72C3-225F-C89873D3F14C}"/>
               </a:ext>
             </a:extLst>
           </p:cNvPr>
@@ -2721,7 +2720,7 @@
           <a:bodyPr/>
           <a:lstStyle/>
           <a:p>
-            <a:fld id="{2145B9F1-9C33-48D7-9A45-23853AD2D3C7}" type="slidenum">
+            <a:fld id="{C95DB925-86DE-41CE-A2E3-E372F3C664F4}" type="slidenum">
               <a:rPr lang="en-US" smtClean="0"/>
               <a:t>‹#›</a:t>
             </a:fld>
@@ -2732,7 +2731,7 @@
     </p:spTree>
     <p:extLst>
       <p:ext uri="{BB962C8B-B14F-4D97-AF65-F5344CB8AC3E}">
-        <p14:creationId xmlns:p14="http://schemas.microsoft.com/office/powerpoint/2010/main" val="2392800343"/>
+        <p14:creationId xmlns:p14="http://schemas.microsoft.com/office/powerpoint/2010/main" val="2209751516"/>
       </p:ext>
     </p:extLst>
   </p:cSld>
@@ -2769,7 +2768,7 @@
           <p:cNvPr id="2" name="Title Placeholder 1">
             <a:extLst>
               <a:ext uri="{FF2B5EF4-FFF2-40B4-BE49-F238E27FC236}">
-                <a16:creationId xmlns:a16="http://schemas.microsoft.com/office/drawing/2014/main" id="{98E18352-51E9-F3FA-7822-C315DD60A668}"/>
+                <a16:creationId xmlns:a16="http://schemas.microsoft.com/office/drawing/2014/main" id="{BF2F7520-40E5-6580-BF3A-9FB224F0CFE6}"/>
               </a:ext>
             </a:extLst>
           </p:cNvPr>
@@ -2807,7 +2806,7 @@
           <p:cNvPr id="3" name="Text Placeholder 2">
             <a:extLst>
               <a:ext uri="{FF2B5EF4-FFF2-40B4-BE49-F238E27FC236}">
-                <a16:creationId xmlns:a16="http://schemas.microsoft.com/office/drawing/2014/main" id="{706C91EB-561D-024E-8834-45C052120323}"/>
+                <a16:creationId xmlns:a16="http://schemas.microsoft.com/office/drawing/2014/main" id="{2BD2CB85-D983-7AB4-E835-6D2CB759BD44}"/>
               </a:ext>
             </a:extLst>
           </p:cNvPr>
@@ -2874,7 +2873,7 @@
           <p:cNvPr id="4" name="Date Placeholder 3">
             <a:extLst>
               <a:ext uri="{FF2B5EF4-FFF2-40B4-BE49-F238E27FC236}">
-                <a16:creationId xmlns:a16="http://schemas.microsoft.com/office/drawing/2014/main" id="{D81959E9-E0A9-8F4A-2890-F3E4298EC50E}"/>
+                <a16:creationId xmlns:a16="http://schemas.microsoft.com/office/drawing/2014/main" id="{559FD27B-03C8-DB7D-35D6-9DE208F2E133}"/>
               </a:ext>
             </a:extLst>
           </p:cNvPr>
@@ -2908,7 +2907,7 @@
             </a:lvl1pPr>
           </a:lstStyle>
           <a:p>
-            <a:fld id="{8A21FE5C-AD3B-48F4-80FA-CAF22D437299}" type="datetimeFigureOut">
+            <a:fld id="{BB56E3E3-8720-49A4-BC4F-FB36F977B1B7}" type="datetimeFigureOut">
               <a:rPr lang="en-US" smtClean="0"/>
               <a:t>4/18/2023</a:t>
             </a:fld>
@@ -2921,7 +2920,7 @@
           <p:cNvPr id="5" name="Footer Placeholder 4">
             <a:extLst>
               <a:ext uri="{FF2B5EF4-FFF2-40B4-BE49-F238E27FC236}">
-                <a16:creationId xmlns:a16="http://schemas.microsoft.com/office/drawing/2014/main" id="{DF9EEBE2-DC98-D159-CCBD-22B7ECEE5211}"/>
+                <a16:creationId xmlns:a16="http://schemas.microsoft.com/office/drawing/2014/main" id="{57FE1C39-7132-F1BB-C4AA-348C99564DEF}"/>
               </a:ext>
             </a:extLst>
           </p:cNvPr>
@@ -2964,7 +2963,7 @@
           <p:cNvPr id="6" name="Slide Number Placeholder 5">
             <a:extLst>
               <a:ext uri="{FF2B5EF4-FFF2-40B4-BE49-F238E27FC236}">
-                <a16:creationId xmlns:a16="http://schemas.microsoft.com/office/drawing/2014/main" id="{D6AC4FEF-977C-73C9-69F9-4A69E5182FD4}"/>
+                <a16:creationId xmlns:a16="http://schemas.microsoft.com/office/drawing/2014/main" id="{D58B9EAA-0E3E-4E71-FE5C-DBA9FDC5B4B6}"/>
               </a:ext>
             </a:extLst>
           </p:cNvPr>
@@ -2998,7 +2997,7 @@
             </a:lvl1pPr>
           </a:lstStyle>
           <a:p>
-            <a:fld id="{2145B9F1-9C33-48D7-9A45-23853AD2D3C7}" type="slidenum">
+            <a:fld id="{C95DB925-86DE-41CE-A2E3-E372F3C664F4}" type="slidenum">
               <a:rPr lang="en-US" smtClean="0"/>
               <a:t>‹#›</a:t>
             </a:fld>
@@ -3009,7 +3008,7 @@
     </p:spTree>
     <p:extLst>
       <p:ext uri="{BB962C8B-B14F-4D97-AF65-F5344CB8AC3E}">
-        <p14:creationId xmlns:p14="http://schemas.microsoft.com/office/powerpoint/2010/main" val="2198515638"/>
+        <p14:creationId xmlns:p14="http://schemas.microsoft.com/office/powerpoint/2010/main" val="924390313"/>
       </p:ext>
     </p:extLst>
   </p:cSld>
@@ -3329,45 +3328,288 @@
       </p:grpSpPr>
       <p:sp>
         <p:nvSpPr>
-          <p:cNvPr id="6" name="TextBox 5">
-            <a:extLst>
-              <a:ext uri="{FF2B5EF4-FFF2-40B4-BE49-F238E27FC236}">
-                <a16:creationId xmlns:a16="http://schemas.microsoft.com/office/drawing/2014/main" id="{6FE3F8D1-5842-0769-3F1E-670E1BA21238}"/>
-              </a:ext>
-            </a:extLst>
-          </p:cNvPr>
-          <p:cNvSpPr txBox="1"/>
-          <p:nvPr/>
+          <p:cNvPr id="3" name="Subtitle 2">
+            <a:extLst>
+              <a:ext uri="{FF2B5EF4-FFF2-40B4-BE49-F238E27FC236}">
+                <a16:creationId xmlns:a16="http://schemas.microsoft.com/office/drawing/2014/main" id="{28D033B2-300C-ABDA-8ADB-2A533A83961E}"/>
+              </a:ext>
+            </a:extLst>
+          </p:cNvPr>
+          <p:cNvSpPr>
+            <a:spLocks noGrp="1"/>
+          </p:cNvSpPr>
+          <p:nvPr>
+            <p:ph type="subTitle" idx="1"/>
+          </p:nvPr>
         </p:nvSpPr>
         <p:spPr>
           <a:xfrm>
-            <a:off x="2495725" y="478171"/>
-            <a:ext cx="7200550" cy="369332"/>
+            <a:off x="979054" y="1500970"/>
+            <a:ext cx="3362035" cy="828963"/>
+          </a:xfrm>
+        </p:spPr>
+        <p:style>
+          <a:lnRef idx="2">
+            <a:schemeClr val="dk1"/>
+          </a:lnRef>
+          <a:fillRef idx="1">
+            <a:schemeClr val="lt1"/>
+          </a:fillRef>
+          <a:effectRef idx="0">
+            <a:schemeClr val="dk1"/>
+          </a:effectRef>
+          <a:fontRef idx="minor">
+            <a:schemeClr val="dk1"/>
+          </a:fontRef>
+        </p:style>
+        <p:txBody>
+          <a:bodyPr>
+            <a:noAutofit/>
+          </a:bodyPr>
+          <a:lstStyle/>
+          <a:p>
+            <a:pPr algn="l"/>
+            <a:r>
+              <a:rPr lang="en-US" sz="2000" dirty="0"/>
+              <a:t>1) Sentence from user:</a:t>
+            </a:r>
+          </a:p>
+          <a:p>
+            <a:pPr algn="l"/>
+            <a:r>
+              <a:rPr lang="en-US" sz="2000" dirty="0"/>
+              <a:t>employee, name, profession</a:t>
+            </a:r>
+          </a:p>
+        </p:txBody>
+      </p:sp>
+      <p:sp>
+        <p:nvSpPr>
+          <p:cNvPr id="4" name="Subtitle 2">
+            <a:extLst>
+              <a:ext uri="{FF2B5EF4-FFF2-40B4-BE49-F238E27FC236}">
+                <a16:creationId xmlns:a16="http://schemas.microsoft.com/office/drawing/2014/main" id="{5656D1C2-AB2D-7DE0-BBDE-BD714F506DB5}"/>
+              </a:ext>
+            </a:extLst>
+          </p:cNvPr>
+          <p:cNvSpPr txBox="1">
+            <a:spLocks/>
+          </p:cNvSpPr>
+          <p:nvPr/>
+        </p:nvSpPr>
+        <p:spPr>
+          <a:xfrm>
+            <a:off x="979054" y="3641435"/>
+            <a:ext cx="3362036" cy="828964"/>
           </a:xfrm>
           <a:prstGeom prst="rect">
             <a:avLst/>
           </a:prstGeom>
-          <a:noFill/>
         </p:spPr>
-        <p:txBody>
-          <a:bodyPr wrap="square" rtlCol="0">
-            <a:spAutoFit/>
+        <p:style>
+          <a:lnRef idx="2">
+            <a:schemeClr val="dk1"/>
+          </a:lnRef>
+          <a:fillRef idx="1">
+            <a:schemeClr val="lt1"/>
+          </a:fillRef>
+          <a:effectRef idx="0">
+            <a:schemeClr val="dk1"/>
+          </a:effectRef>
+          <a:fontRef idx="minor">
+            <a:schemeClr val="dk1"/>
+          </a:fontRef>
+        </p:style>
+        <p:txBody>
+          <a:bodyPr vert="horz" lIns="91440" tIns="45720" rIns="91440" bIns="45720" rtlCol="0">
+            <a:noAutofit/>
           </a:bodyPr>
-          <a:lstStyle/>
-          <a:p>
-            <a:r>
-              <a:rPr lang="en-US" dirty="0"/>
-              <a:t>Where I can find the data about employees’ names, emails and job titles?</a:t>
+          <a:lstStyle>
+            <a:lvl1pPr marL="0" indent="0" algn="ctr" defTabSz="914400" rtl="0" eaLnBrk="1" latinLnBrk="0" hangingPunct="1">
+              <a:lnSpc>
+                <a:spcPct val="90000"/>
+              </a:lnSpc>
+              <a:spcBef>
+                <a:spcPts val="1000"/>
+              </a:spcBef>
+              <a:buFont typeface="Arial" panose="020B0604020202020204" pitchFamily="34" charset="0"/>
+              <a:buNone/>
+              <a:defRPr sz="2400" kern="1200">
+                <a:solidFill>
+                  <a:schemeClr val="tx1"/>
+                </a:solidFill>
+                <a:latin typeface="+mn-lt"/>
+                <a:ea typeface="+mn-ea"/>
+                <a:cs typeface="+mn-cs"/>
+              </a:defRPr>
+            </a:lvl1pPr>
+            <a:lvl2pPr marL="457200" indent="0" algn="ctr" defTabSz="914400" rtl="0" eaLnBrk="1" latinLnBrk="0" hangingPunct="1">
+              <a:lnSpc>
+                <a:spcPct val="90000"/>
+              </a:lnSpc>
+              <a:spcBef>
+                <a:spcPts val="500"/>
+              </a:spcBef>
+              <a:buFont typeface="Arial" panose="020B0604020202020204" pitchFamily="34" charset="0"/>
+              <a:buNone/>
+              <a:defRPr sz="2000" kern="1200">
+                <a:solidFill>
+                  <a:schemeClr val="tx1"/>
+                </a:solidFill>
+                <a:latin typeface="+mn-lt"/>
+                <a:ea typeface="+mn-ea"/>
+                <a:cs typeface="+mn-cs"/>
+              </a:defRPr>
+            </a:lvl2pPr>
+            <a:lvl3pPr marL="914400" indent="0" algn="ctr" defTabSz="914400" rtl="0" eaLnBrk="1" latinLnBrk="0" hangingPunct="1">
+              <a:lnSpc>
+                <a:spcPct val="90000"/>
+              </a:lnSpc>
+              <a:spcBef>
+                <a:spcPts val="500"/>
+              </a:spcBef>
+              <a:buFont typeface="Arial" panose="020B0604020202020204" pitchFamily="34" charset="0"/>
+              <a:buNone/>
+              <a:defRPr sz="1800" kern="1200">
+                <a:solidFill>
+                  <a:schemeClr val="tx1"/>
+                </a:solidFill>
+                <a:latin typeface="+mn-lt"/>
+                <a:ea typeface="+mn-ea"/>
+                <a:cs typeface="+mn-cs"/>
+              </a:defRPr>
+            </a:lvl3pPr>
+            <a:lvl4pPr marL="1371600" indent="0" algn="ctr" defTabSz="914400" rtl="0" eaLnBrk="1" latinLnBrk="0" hangingPunct="1">
+              <a:lnSpc>
+                <a:spcPct val="90000"/>
+              </a:lnSpc>
+              <a:spcBef>
+                <a:spcPts val="500"/>
+              </a:spcBef>
+              <a:buFont typeface="Arial" panose="020B0604020202020204" pitchFamily="34" charset="0"/>
+              <a:buNone/>
+              <a:defRPr sz="1600" kern="1200">
+                <a:solidFill>
+                  <a:schemeClr val="tx1"/>
+                </a:solidFill>
+                <a:latin typeface="+mn-lt"/>
+                <a:ea typeface="+mn-ea"/>
+                <a:cs typeface="+mn-cs"/>
+              </a:defRPr>
+            </a:lvl4pPr>
+            <a:lvl5pPr marL="1828800" indent="0" algn="ctr" defTabSz="914400" rtl="0" eaLnBrk="1" latinLnBrk="0" hangingPunct="1">
+              <a:lnSpc>
+                <a:spcPct val="90000"/>
+              </a:lnSpc>
+              <a:spcBef>
+                <a:spcPts val="500"/>
+              </a:spcBef>
+              <a:buFont typeface="Arial" panose="020B0604020202020204" pitchFamily="34" charset="0"/>
+              <a:buNone/>
+              <a:defRPr sz="1600" kern="1200">
+                <a:solidFill>
+                  <a:schemeClr val="tx1"/>
+                </a:solidFill>
+                <a:latin typeface="+mn-lt"/>
+                <a:ea typeface="+mn-ea"/>
+                <a:cs typeface="+mn-cs"/>
+              </a:defRPr>
+            </a:lvl5pPr>
+            <a:lvl6pPr marL="2286000" indent="0" algn="ctr" defTabSz="914400" rtl="0" eaLnBrk="1" latinLnBrk="0" hangingPunct="1">
+              <a:lnSpc>
+                <a:spcPct val="90000"/>
+              </a:lnSpc>
+              <a:spcBef>
+                <a:spcPts val="500"/>
+              </a:spcBef>
+              <a:buFont typeface="Arial" panose="020B0604020202020204" pitchFamily="34" charset="0"/>
+              <a:buNone/>
+              <a:defRPr sz="1600" kern="1200">
+                <a:solidFill>
+                  <a:schemeClr val="tx1"/>
+                </a:solidFill>
+                <a:latin typeface="+mn-lt"/>
+                <a:ea typeface="+mn-ea"/>
+                <a:cs typeface="+mn-cs"/>
+              </a:defRPr>
+            </a:lvl6pPr>
+            <a:lvl7pPr marL="2743200" indent="0" algn="ctr" defTabSz="914400" rtl="0" eaLnBrk="1" latinLnBrk="0" hangingPunct="1">
+              <a:lnSpc>
+                <a:spcPct val="90000"/>
+              </a:lnSpc>
+              <a:spcBef>
+                <a:spcPts val="500"/>
+              </a:spcBef>
+              <a:buFont typeface="Arial" panose="020B0604020202020204" pitchFamily="34" charset="0"/>
+              <a:buNone/>
+              <a:defRPr sz="1600" kern="1200">
+                <a:solidFill>
+                  <a:schemeClr val="tx1"/>
+                </a:solidFill>
+                <a:latin typeface="+mn-lt"/>
+                <a:ea typeface="+mn-ea"/>
+                <a:cs typeface="+mn-cs"/>
+              </a:defRPr>
+            </a:lvl7pPr>
+            <a:lvl8pPr marL="3200400" indent="0" algn="ctr" defTabSz="914400" rtl="0" eaLnBrk="1" latinLnBrk="0" hangingPunct="1">
+              <a:lnSpc>
+                <a:spcPct val="90000"/>
+              </a:lnSpc>
+              <a:spcBef>
+                <a:spcPts val="500"/>
+              </a:spcBef>
+              <a:buFont typeface="Arial" panose="020B0604020202020204" pitchFamily="34" charset="0"/>
+              <a:buNone/>
+              <a:defRPr sz="1600" kern="1200">
+                <a:solidFill>
+                  <a:schemeClr val="tx1"/>
+                </a:solidFill>
+                <a:latin typeface="+mn-lt"/>
+                <a:ea typeface="+mn-ea"/>
+                <a:cs typeface="+mn-cs"/>
+              </a:defRPr>
+            </a:lvl8pPr>
+            <a:lvl9pPr marL="3657600" indent="0" algn="ctr" defTabSz="914400" rtl="0" eaLnBrk="1" latinLnBrk="0" hangingPunct="1">
+              <a:lnSpc>
+                <a:spcPct val="90000"/>
+              </a:lnSpc>
+              <a:spcBef>
+                <a:spcPts val="500"/>
+              </a:spcBef>
+              <a:buFont typeface="Arial" panose="020B0604020202020204" pitchFamily="34" charset="0"/>
+              <a:buNone/>
+              <a:defRPr sz="1600" kern="1200">
+                <a:solidFill>
+                  <a:schemeClr val="tx1"/>
+                </a:solidFill>
+                <a:latin typeface="+mn-lt"/>
+                <a:ea typeface="+mn-ea"/>
+                <a:cs typeface="+mn-cs"/>
+              </a:defRPr>
+            </a:lvl9pPr>
+          </a:lstStyle>
+          <a:p>
+            <a:pPr algn="l"/>
+            <a:r>
+              <a:rPr lang="en-US" sz="2000" dirty="0"/>
+              <a:t>2) Sentence from notes:</a:t>
+            </a:r>
+          </a:p>
+          <a:p>
+            <a:pPr algn="l"/>
+            <a:r>
+              <a:rPr lang="en-US" sz="2000" dirty="0"/>
+              <a:t>User, job title, surname</a:t>
             </a:r>
           </a:p>
         </p:txBody>
       </p:sp>
       <p:cxnSp>
         <p:nvCxnSpPr>
-          <p:cNvPr id="10" name="Straight Arrow Connector 9">
-            <a:extLst>
-              <a:ext uri="{FF2B5EF4-FFF2-40B4-BE49-F238E27FC236}">
-                <a16:creationId xmlns:a16="http://schemas.microsoft.com/office/drawing/2014/main" id="{339C5298-3D69-6463-EBB8-EFFC76F7CD1E}"/>
+          <p:cNvPr id="6" name="Straight Arrow Connector 5">
+            <a:extLst>
+              <a:ext uri="{FF2B5EF4-FFF2-40B4-BE49-F238E27FC236}">
+                <a16:creationId xmlns:a16="http://schemas.microsoft.com/office/drawing/2014/main" id="{9D7028A8-B68F-EBC6-5FCB-62468F10CD4D}"/>
               </a:ext>
             </a:extLst>
           </p:cNvPr>
@@ -3378,8 +3620,8 @@
         </p:nvCxnSpPr>
         <p:spPr>
           <a:xfrm>
-            <a:off x="6096000" y="956345"/>
-            <a:ext cx="0" cy="671119"/>
+            <a:off x="4599711" y="1893454"/>
+            <a:ext cx="955962" cy="0"/>
           </a:xfrm>
           <a:prstGeom prst="straightConnector1">
             <a:avLst/>
@@ -3405,10 +3647,10 @@
       </p:cxnSp>
       <p:sp>
         <p:nvSpPr>
-          <p:cNvPr id="13" name="TextBox 12">
-            <a:extLst>
-              <a:ext uri="{FF2B5EF4-FFF2-40B4-BE49-F238E27FC236}">
-                <a16:creationId xmlns:a16="http://schemas.microsoft.com/office/drawing/2014/main" id="{E14C9FD9-2FCD-542B-92F4-7C2ABC32BFB7}"/>
+          <p:cNvPr id="8" name="TextBox 7">
+            <a:extLst>
+              <a:ext uri="{FF2B5EF4-FFF2-40B4-BE49-F238E27FC236}">
+                <a16:creationId xmlns:a16="http://schemas.microsoft.com/office/drawing/2014/main" id="{93E73EAA-4D91-E8AD-412E-FDF65DE2C5A2}"/>
               </a:ext>
             </a:extLst>
           </p:cNvPr>
@@ -3417,8 +3659,8 @@
         </p:nvSpPr>
         <p:spPr>
           <a:xfrm>
-            <a:off x="4565708" y="1736198"/>
-            <a:ext cx="3060583" cy="369332"/>
+            <a:off x="6003636" y="1730785"/>
+            <a:ext cx="1749197" cy="369332"/>
           </a:xfrm>
           <a:prstGeom prst="rect">
             <a:avLst/>
@@ -3426,243 +3668,129 @@
           <a:noFill/>
         </p:spPr>
         <p:txBody>
-          <a:bodyPr wrap="square" rtlCol="0">
+          <a:bodyPr wrap="none" rtlCol="0">
             <a:spAutoFit/>
           </a:bodyPr>
           <a:lstStyle/>
           <a:p>
             <a:r>
               <a:rPr lang="en-US" dirty="0"/>
-              <a:t>Employee name email job title</a:t>
-            </a:r>
-          </a:p>
-        </p:txBody>
-      </p:sp>
-      <p:graphicFrame>
-        <p:nvGraphicFramePr>
-          <p:cNvPr id="14" name="Table 14">
-            <a:extLst>
-              <a:ext uri="{FF2B5EF4-FFF2-40B4-BE49-F238E27FC236}">
-                <a16:creationId xmlns:a16="http://schemas.microsoft.com/office/drawing/2014/main" id="{319B88B4-0C43-6AB0-33D0-B942D81993FE}"/>
-              </a:ext>
-            </a:extLst>
-          </p:cNvPr>
-          <p:cNvGraphicFramePr>
-            <a:graphicFrameLocks noGrp="1"/>
-          </p:cNvGraphicFramePr>
-          <p:nvPr>
-            <p:extLst>
-              <p:ext uri="{D42A27DB-BD31-4B8C-83A1-F6EECF244321}">
-                <p14:modId xmlns:p14="http://schemas.microsoft.com/office/powerpoint/2010/main" val="1028363819"/>
-              </p:ext>
-            </p:extLst>
-          </p:nvPr>
-        </p:nvGraphicFramePr>
-        <p:xfrm>
-          <a:off x="2031999" y="3095646"/>
-          <a:ext cx="8128000" cy="1112520"/>
-        </p:xfrm>
-        <a:graphic>
-          <a:graphicData uri="http://schemas.openxmlformats.org/drawingml/2006/table">
-            <a:tbl>
-              <a:tblPr firstRow="1" bandRow="1">
-                <a:tableStyleId>{F5AB1C69-6EDB-4FF4-983F-18BD219EF322}</a:tableStyleId>
-              </a:tblPr>
-              <a:tblGrid>
-                <a:gridCol w="4064000">
-                  <a:extLst>
-                    <a:ext uri="{9D8B030D-6E8A-4147-A177-3AD203B41FA5}">
-                      <a16:colId xmlns:a16="http://schemas.microsoft.com/office/drawing/2014/main" val="2029321699"/>
-                    </a:ext>
-                  </a:extLst>
-                </a:gridCol>
-                <a:gridCol w="4064000">
-                  <a:extLst>
-                    <a:ext uri="{9D8B030D-6E8A-4147-A177-3AD203B41FA5}">
-                      <a16:colId xmlns:a16="http://schemas.microsoft.com/office/drawing/2014/main" val="1978999660"/>
-                    </a:ext>
-                  </a:extLst>
-                </a:gridCol>
-              </a:tblGrid>
-              <a:tr h="370840">
-                <a:tc>
-                  <a:txBody>
-                    <a:bodyPr/>
-                    <a:lstStyle/>
-                    <a:p>
-                      <a:pPr algn="l" fontAlgn="b"/>
-                      <a:r>
-                        <a:rPr lang="en-US" sz="1800" b="0" i="0" u="none" strike="noStrike" dirty="0" err="1">
-                          <a:solidFill>
-                            <a:srgbClr val="000000"/>
-                          </a:solidFill>
-                          <a:effectLst/>
-                          <a:latin typeface="Calibri" panose="020F0502020204030204" pitchFamily="34" charset="0"/>
-                        </a:rPr>
-                        <a:t>Stage.emp.tbl_Users</a:t>
-                      </a:r>
-                      <a:endParaRPr lang="en-US" sz="1800" b="0" i="0" u="none" strike="noStrike" dirty="0">
-                        <a:solidFill>
-                          <a:srgbClr val="000000"/>
-                        </a:solidFill>
-                        <a:effectLst/>
-                        <a:latin typeface="Calibri" panose="020F0502020204030204" pitchFamily="34" charset="0"/>
-                      </a:endParaRPr>
-                    </a:p>
-                  </a:txBody>
-                  <a:tcPr marL="9525" marR="9525" marT="9525" marB="0" anchor="b">
-                    <a:solidFill>
-                      <a:schemeClr val="bg2"/>
-                    </a:solidFill>
-                  </a:tcPr>
-                </a:tc>
-                <a:tc>
-                  <a:txBody>
-                    <a:bodyPr/>
-                    <a:lstStyle/>
-                    <a:p>
-                      <a:r>
-                        <a:rPr lang="en-US" b="0" dirty="0">
-                          <a:solidFill>
-                            <a:schemeClr val="tx1"/>
-                          </a:solidFill>
-                        </a:rPr>
-                        <a:t>0.95</a:t>
-                      </a:r>
-                    </a:p>
-                  </a:txBody>
-                  <a:tcPr>
-                    <a:solidFill>
-                      <a:schemeClr val="bg2"/>
-                    </a:solidFill>
-                  </a:tcPr>
-                </a:tc>
-                <a:extLst>
-                  <a:ext uri="{0D108BD9-81ED-4DB2-BD59-A6C34878D82A}">
-                    <a16:rowId xmlns:a16="http://schemas.microsoft.com/office/drawing/2014/main" val="1648109460"/>
-                  </a:ext>
-                </a:extLst>
-              </a:tr>
-              <a:tr h="370840">
-                <a:tc>
-                  <a:txBody>
-                    <a:bodyPr/>
-                    <a:lstStyle/>
-                    <a:p>
-                      <a:pPr algn="l" fontAlgn="b"/>
-                      <a:r>
-                        <a:rPr lang="en-US" sz="1800" b="0" i="0" u="none" strike="noStrike" dirty="0" err="1">
-                          <a:solidFill>
-                            <a:srgbClr val="000000"/>
-                          </a:solidFill>
-                          <a:effectLst/>
-                          <a:latin typeface="Calibri" panose="020F0502020204030204" pitchFamily="34" charset="0"/>
-                        </a:rPr>
-                        <a:t>Stage.dbi.PRTL_Vendor</a:t>
-                      </a:r>
-                      <a:endParaRPr lang="en-US" sz="1800" b="0" i="0" u="none" strike="noStrike" dirty="0">
-                        <a:solidFill>
-                          <a:srgbClr val="000000"/>
-                        </a:solidFill>
-                        <a:effectLst/>
-                        <a:latin typeface="Calibri" panose="020F0502020204030204" pitchFamily="34" charset="0"/>
-                      </a:endParaRPr>
-                    </a:p>
-                  </a:txBody>
-                  <a:tcPr marL="9525" marR="9525" marT="9525" marB="0" anchor="b">
-                    <a:solidFill>
-                      <a:schemeClr val="bg2"/>
-                    </a:solidFill>
-                  </a:tcPr>
-                </a:tc>
-                <a:tc>
-                  <a:txBody>
-                    <a:bodyPr/>
-                    <a:lstStyle/>
-                    <a:p>
-                      <a:r>
-                        <a:rPr lang="en-US" dirty="0"/>
-                        <a:t>0.85</a:t>
-                      </a:r>
-                    </a:p>
-                  </a:txBody>
-                  <a:tcPr>
-                    <a:solidFill>
-                      <a:schemeClr val="bg2"/>
-                    </a:solidFill>
-                  </a:tcPr>
-                </a:tc>
-                <a:extLst>
-                  <a:ext uri="{0D108BD9-81ED-4DB2-BD59-A6C34878D82A}">
-                    <a16:rowId xmlns:a16="http://schemas.microsoft.com/office/drawing/2014/main" val="826603583"/>
-                  </a:ext>
-                </a:extLst>
-              </a:tr>
-              <a:tr h="370840">
-                <a:tc>
-                  <a:txBody>
-                    <a:bodyPr/>
-                    <a:lstStyle/>
-                    <a:p>
-                      <a:pPr algn="l" fontAlgn="b"/>
-                      <a:r>
-                        <a:rPr lang="en-US" sz="1800" b="0" i="0" u="none" strike="noStrike" dirty="0" err="1">
-                          <a:solidFill>
-                            <a:srgbClr val="000000"/>
-                          </a:solidFill>
-                          <a:effectLst/>
-                          <a:latin typeface="Calibri" panose="020F0502020204030204" pitchFamily="34" charset="0"/>
-                        </a:rPr>
-                        <a:t>Stage.emp.tbl_TSTimesheet</a:t>
-                      </a:r>
-                      <a:endParaRPr lang="en-US" sz="1800" b="0" i="0" u="none" strike="noStrike" dirty="0">
-                        <a:solidFill>
-                          <a:srgbClr val="000000"/>
-                        </a:solidFill>
-                        <a:effectLst/>
-                        <a:latin typeface="Calibri" panose="020F0502020204030204" pitchFamily="34" charset="0"/>
-                      </a:endParaRPr>
-                    </a:p>
-                  </a:txBody>
-                  <a:tcPr marL="9525" marR="9525" marT="9525" marB="0" anchor="b">
-                    <a:solidFill>
-                      <a:schemeClr val="bg2"/>
-                    </a:solidFill>
-                  </a:tcPr>
-                </a:tc>
-                <a:tc>
-                  <a:txBody>
-                    <a:bodyPr/>
-                    <a:lstStyle/>
-                    <a:p>
-                      <a:r>
-                        <a:rPr lang="en-US" dirty="0"/>
-                        <a:t>0.01</a:t>
-                      </a:r>
-                    </a:p>
-                  </a:txBody>
-                  <a:tcPr>
-                    <a:solidFill>
-                      <a:schemeClr val="bg2"/>
-                    </a:solidFill>
-                  </a:tcPr>
-                </a:tc>
-                <a:extLst>
-                  <a:ext uri="{0D108BD9-81ED-4DB2-BD59-A6C34878D82A}">
-                    <a16:rowId xmlns:a16="http://schemas.microsoft.com/office/drawing/2014/main" val="959135359"/>
-                  </a:ext>
-                </a:extLst>
-              </a:tr>
-            </a:tbl>
-          </a:graphicData>
-        </a:graphic>
-      </p:graphicFrame>
+              <a:t>[0.5, 0.2, 0.3, ….]</a:t>
+            </a:r>
+          </a:p>
+        </p:txBody>
+      </p:sp>
+      <p:sp>
+        <p:nvSpPr>
+          <p:cNvPr id="10" name="TextBox 9">
+            <a:extLst>
+              <a:ext uri="{FF2B5EF4-FFF2-40B4-BE49-F238E27FC236}">
+                <a16:creationId xmlns:a16="http://schemas.microsoft.com/office/drawing/2014/main" id="{E807CB07-5084-6382-A60B-9278F9007440}"/>
+              </a:ext>
+            </a:extLst>
+          </p:cNvPr>
+          <p:cNvSpPr txBox="1"/>
+          <p:nvPr/>
+        </p:nvSpPr>
+        <p:spPr>
+          <a:xfrm>
+            <a:off x="6003636" y="1267418"/>
+            <a:ext cx="1658146" cy="369332"/>
+          </a:xfrm>
+          <a:prstGeom prst="rect">
+            <a:avLst/>
+          </a:prstGeom>
+          <a:noFill/>
+        </p:spPr>
+        <p:txBody>
+          <a:bodyPr wrap="none" rtlCol="0">
+            <a:spAutoFit/>
+          </a:bodyPr>
+          <a:lstStyle/>
+          <a:p>
+            <a:r>
+              <a:rPr lang="en-US" dirty="0"/>
+              <a:t>Meaning vector</a:t>
+            </a:r>
+          </a:p>
+        </p:txBody>
+      </p:sp>
+      <p:sp>
+        <p:nvSpPr>
+          <p:cNvPr id="11" name="TextBox 10">
+            <a:extLst>
+              <a:ext uri="{FF2B5EF4-FFF2-40B4-BE49-F238E27FC236}">
+                <a16:creationId xmlns:a16="http://schemas.microsoft.com/office/drawing/2014/main" id="{97E99DC3-FA09-2614-B650-350E3AD61567}"/>
+              </a:ext>
+            </a:extLst>
+          </p:cNvPr>
+          <p:cNvSpPr txBox="1"/>
+          <p:nvPr/>
+        </p:nvSpPr>
+        <p:spPr>
+          <a:xfrm>
+            <a:off x="6003635" y="3592550"/>
+            <a:ext cx="1658146" cy="369332"/>
+          </a:xfrm>
+          <a:prstGeom prst="rect">
+            <a:avLst/>
+          </a:prstGeom>
+          <a:noFill/>
+        </p:spPr>
+        <p:txBody>
+          <a:bodyPr wrap="none" rtlCol="0">
+            <a:spAutoFit/>
+          </a:bodyPr>
+          <a:lstStyle/>
+          <a:p>
+            <a:r>
+              <a:rPr lang="en-US" dirty="0"/>
+              <a:t>Meaning vector</a:t>
+            </a:r>
+          </a:p>
+        </p:txBody>
+      </p:sp>
+      <p:sp>
+        <p:nvSpPr>
+          <p:cNvPr id="14" name="TextBox 13">
+            <a:extLst>
+              <a:ext uri="{FF2B5EF4-FFF2-40B4-BE49-F238E27FC236}">
+                <a16:creationId xmlns:a16="http://schemas.microsoft.com/office/drawing/2014/main" id="{370FA7A9-44C8-287F-D6F6-758389DFE067}"/>
+              </a:ext>
+            </a:extLst>
+          </p:cNvPr>
+          <p:cNvSpPr txBox="1"/>
+          <p:nvPr/>
+        </p:nvSpPr>
+        <p:spPr>
+          <a:xfrm>
+            <a:off x="5958110" y="4055917"/>
+            <a:ext cx="1749197" cy="369332"/>
+          </a:xfrm>
+          <a:prstGeom prst="rect">
+            <a:avLst/>
+          </a:prstGeom>
+          <a:noFill/>
+        </p:spPr>
+        <p:txBody>
+          <a:bodyPr wrap="none" rtlCol="0">
+            <a:spAutoFit/>
+          </a:bodyPr>
+          <a:lstStyle/>
+          <a:p>
+            <a:r>
+              <a:rPr lang="en-US" dirty="0"/>
+              <a:t>[0.6, 0.1, 0.2, ….]</a:t>
+            </a:r>
+          </a:p>
+        </p:txBody>
+      </p:sp>
       <p:cxnSp>
         <p:nvCxnSpPr>
-          <p:cNvPr id="16" name="Straight Arrow Connector 15">
-            <a:extLst>
-              <a:ext uri="{FF2B5EF4-FFF2-40B4-BE49-F238E27FC236}">
-                <a16:creationId xmlns:a16="http://schemas.microsoft.com/office/drawing/2014/main" id="{4363F698-E659-3BB6-10BF-CCC9C86A1C9C}"/>
+          <p:cNvPr id="15" name="Straight Arrow Connector 14">
+            <a:extLst>
+              <a:ext uri="{FF2B5EF4-FFF2-40B4-BE49-F238E27FC236}">
+                <a16:creationId xmlns:a16="http://schemas.microsoft.com/office/drawing/2014/main" id="{1551C940-12DE-FF73-CB89-97FC47047414}"/>
               </a:ext>
             </a:extLst>
           </p:cNvPr>
@@ -3672,9 +3800,9 @@
           <p:nvPr/>
         </p:nvCxnSpPr>
         <p:spPr>
-          <a:xfrm flipH="1">
-            <a:off x="6095999" y="2281914"/>
-            <a:ext cx="1" cy="637347"/>
+          <a:xfrm>
+            <a:off x="4599711" y="4069771"/>
+            <a:ext cx="955962" cy="0"/>
           </a:xfrm>
           <a:prstGeom prst="straightConnector1">
             <a:avLst/>
@@ -3698,47 +3826,12 @@
           </a:fontRef>
         </p:style>
       </p:cxnSp>
-      <p:sp>
-        <p:nvSpPr>
-          <p:cNvPr id="2" name="TextBox 1">
-            <a:extLst>
-              <a:ext uri="{FF2B5EF4-FFF2-40B4-BE49-F238E27FC236}">
-                <a16:creationId xmlns:a16="http://schemas.microsoft.com/office/drawing/2014/main" id="{DE9B40C9-CF3E-E081-B0E7-80226482872E}"/>
-              </a:ext>
-            </a:extLst>
-          </p:cNvPr>
-          <p:cNvSpPr txBox="1"/>
-          <p:nvPr/>
-        </p:nvSpPr>
-        <p:spPr>
-          <a:xfrm>
-            <a:off x="5991497" y="4771947"/>
-            <a:ext cx="4525470" cy="369332"/>
-          </a:xfrm>
-          <a:prstGeom prst="rect">
-            <a:avLst/>
-          </a:prstGeom>
-          <a:noFill/>
-        </p:spPr>
-        <p:txBody>
-          <a:bodyPr wrap="none" rtlCol="0">
-            <a:spAutoFit/>
-          </a:bodyPr>
-          <a:lstStyle/>
-          <a:p>
-            <a:r>
-              <a:rPr lang="en-US" dirty="0"/>
-              <a:t>Probability that this table matches a question</a:t>
-            </a:r>
-          </a:p>
-        </p:txBody>
-      </p:sp>
       <p:cxnSp>
         <p:nvCxnSpPr>
-          <p:cNvPr id="4" name="Straight Arrow Connector 3">
-            <a:extLst>
-              <a:ext uri="{FF2B5EF4-FFF2-40B4-BE49-F238E27FC236}">
-                <a16:creationId xmlns:a16="http://schemas.microsoft.com/office/drawing/2014/main" id="{0161AA6E-CE0C-AF1C-3F27-34DB3A847253}"/>
+          <p:cNvPr id="17" name="Straight Arrow Connector 16">
+            <a:extLst>
+              <a:ext uri="{FF2B5EF4-FFF2-40B4-BE49-F238E27FC236}">
+                <a16:creationId xmlns:a16="http://schemas.microsoft.com/office/drawing/2014/main" id="{2F1E5F55-12DA-82AA-6CFD-B984B4697119}"/>
               </a:ext>
             </a:extLst>
           </p:cNvPr>
@@ -3748,9 +3841,9 @@
           <p:nvPr/>
         </p:nvCxnSpPr>
         <p:spPr>
-          <a:xfrm flipH="1" flipV="1">
-            <a:off x="6496594" y="4275909"/>
-            <a:ext cx="1129697" cy="496038"/>
+          <a:xfrm>
+            <a:off x="8044873" y="1872733"/>
+            <a:ext cx="960582" cy="1027485"/>
           </a:xfrm>
           <a:prstGeom prst="straightConnector1">
             <a:avLst/>
@@ -3774,136 +3867,92 @@
           </a:fontRef>
         </p:style>
       </p:cxnSp>
-    </p:spTree>
-    <p:extLst>
-      <p:ext uri="{BB962C8B-B14F-4D97-AF65-F5344CB8AC3E}">
-        <p14:creationId xmlns:p14="http://schemas.microsoft.com/office/powerpoint/2010/main" val="3362520082"/>
-      </p:ext>
-    </p:extLst>
-  </p:cSld>
-  <p:clrMapOvr>
-    <a:masterClrMapping/>
-  </p:clrMapOvr>
-</p:sld>
-</file>
-
-<file path=ppt/slides/slide2.xml><?xml version="1.0" encoding="utf-8"?>
-<p:sld xmlns:a="http://schemas.openxmlformats.org/drawingml/2006/main" xmlns:r="http://schemas.openxmlformats.org/officeDocument/2006/relationships" xmlns:p="http://schemas.openxmlformats.org/presentationml/2006/main">
-  <p:cSld>
-    <p:spTree>
-      <p:nvGrpSpPr>
-        <p:cNvPr id="1" name=""/>
-        <p:cNvGrpSpPr/>
-        <p:nvPr/>
-      </p:nvGrpSpPr>
-      <p:grpSpPr>
-        <a:xfrm>
-          <a:off x="0" y="0"/>
-          <a:ext cx="0" cy="0"/>
-          <a:chOff x="0" y="0"/>
-          <a:chExt cx="0" cy="0"/>
-        </a:xfrm>
-      </p:grpSpPr>
-      <p:sp>
-        <p:nvSpPr>
-          <p:cNvPr id="2" name="Title 1">
-            <a:extLst>
-              <a:ext uri="{FF2B5EF4-FFF2-40B4-BE49-F238E27FC236}">
-                <a16:creationId xmlns:a16="http://schemas.microsoft.com/office/drawing/2014/main" id="{7565FF9D-A7FB-B5E7-8AEC-99CA0093915B}"/>
-              </a:ext>
-            </a:extLst>
-          </p:cNvPr>
-          <p:cNvSpPr>
-            <a:spLocks noGrp="1"/>
-          </p:cNvSpPr>
-          <p:nvPr>
-            <p:ph type="title"/>
-          </p:nvPr>
+      <p:cxnSp>
+        <p:nvCxnSpPr>
+          <p:cNvPr id="19" name="Straight Arrow Connector 18">
+            <a:extLst>
+              <a:ext uri="{FF2B5EF4-FFF2-40B4-BE49-F238E27FC236}">
+                <a16:creationId xmlns:a16="http://schemas.microsoft.com/office/drawing/2014/main" id="{C88E1740-3736-F1E4-7B50-3B469A090BC8}"/>
+              </a:ext>
+            </a:extLst>
+          </p:cNvPr>
+          <p:cNvCxnSpPr>
+            <a:cxnSpLocks/>
+          </p:cNvCxnSpPr>
+          <p:nvPr/>
+        </p:nvCxnSpPr>
+        <p:spPr>
+          <a:xfrm flipV="1">
+            <a:off x="7938655" y="3112655"/>
+            <a:ext cx="1066800" cy="845128"/>
+          </a:xfrm>
+          <a:prstGeom prst="straightConnector1">
+            <a:avLst/>
+          </a:prstGeom>
+          <a:ln>
+            <a:tailEnd type="triangle"/>
+          </a:ln>
+        </p:spPr>
+        <p:style>
+          <a:lnRef idx="1">
+            <a:schemeClr val="accent1"/>
+          </a:lnRef>
+          <a:fillRef idx="0">
+            <a:schemeClr val="accent1"/>
+          </a:fillRef>
+          <a:effectRef idx="0">
+            <a:schemeClr val="accent1"/>
+          </a:effectRef>
+          <a:fontRef idx="minor">
+            <a:schemeClr val="tx1"/>
+          </a:fontRef>
+        </p:style>
+      </p:cxnSp>
+      <p:sp>
+        <p:nvSpPr>
+          <p:cNvPr id="21" name="TextBox 20">
+            <a:extLst>
+              <a:ext uri="{FF2B5EF4-FFF2-40B4-BE49-F238E27FC236}">
+                <a16:creationId xmlns:a16="http://schemas.microsoft.com/office/drawing/2014/main" id="{17E3395B-4EE7-2686-8330-2A9C8CCC595E}"/>
+              </a:ext>
+            </a:extLst>
+          </p:cNvPr>
+          <p:cNvSpPr txBox="1"/>
+          <p:nvPr/>
         </p:nvSpPr>
         <p:spPr>
           <a:xfrm>
-            <a:off x="838200" y="511728"/>
-            <a:ext cx="10515600" cy="440729"/>
-          </a:xfrm>
-        </p:spPr>
-        <p:txBody>
-          <a:bodyPr>
-            <a:noAutofit/>
-          </a:bodyPr>
-          <a:lstStyle/>
-          <a:p>
-            <a:pPr algn="ctr"/>
-            <a:r>
-              <a:rPr lang="en-US" sz="3000" dirty="0"/>
-              <a:t>Training data set</a:t>
-            </a:r>
-          </a:p>
-        </p:txBody>
-      </p:sp>
-      <p:pic>
-        <p:nvPicPr>
-          <p:cNvPr id="6" name="Picture 5">
-            <a:extLst>
-              <a:ext uri="{FF2B5EF4-FFF2-40B4-BE49-F238E27FC236}">
-                <a16:creationId xmlns:a16="http://schemas.microsoft.com/office/drawing/2014/main" id="{022AA35B-587F-35C1-F422-889CDB3AE432}"/>
-              </a:ext>
-            </a:extLst>
-          </p:cNvPr>
-          <p:cNvPicPr>
-            <a:picLocks noChangeAspect="1"/>
-          </p:cNvPicPr>
-          <p:nvPr/>
-        </p:nvPicPr>
-        <p:blipFill>
-          <a:blip r:embed="rId2"/>
-          <a:stretch>
-            <a:fillRect/>
-          </a:stretch>
-        </p:blipFill>
-        <p:spPr>
-          <a:xfrm>
-            <a:off x="330923" y="1495000"/>
-            <a:ext cx="5525825" cy="1466313"/>
+            <a:off x="9116291" y="2771033"/>
+            <a:ext cx="2823402" cy="646331"/>
           </a:xfrm>
           <a:prstGeom prst="rect">
             <a:avLst/>
           </a:prstGeom>
+          <a:noFill/>
         </p:spPr>
-      </p:pic>
-      <p:pic>
-        <p:nvPicPr>
-          <p:cNvPr id="8" name="Picture 7">
-            <a:extLst>
-              <a:ext uri="{FF2B5EF4-FFF2-40B4-BE49-F238E27FC236}">
-                <a16:creationId xmlns:a16="http://schemas.microsoft.com/office/drawing/2014/main" id="{843E4E11-0143-788D-627F-3CE91F5DB094}"/>
-              </a:ext>
-            </a:extLst>
-          </p:cNvPr>
-          <p:cNvPicPr>
-            <a:picLocks noChangeAspect="1"/>
-          </p:cNvPicPr>
-          <p:nvPr/>
-        </p:nvPicPr>
-        <p:blipFill>
-          <a:blip r:embed="rId3"/>
-          <a:stretch>
-            <a:fillRect/>
-          </a:stretch>
-        </p:blipFill>
-        <p:spPr>
-          <a:xfrm>
-            <a:off x="6096000" y="1495000"/>
-            <a:ext cx="6000395" cy="3055904"/>
-          </a:xfrm>
-          <a:prstGeom prst="rect">
-            <a:avLst/>
-          </a:prstGeom>
-        </p:spPr>
-      </p:pic>
+        <p:txBody>
+          <a:bodyPr wrap="none" rtlCol="0">
+            <a:spAutoFit/>
+          </a:bodyPr>
+          <a:lstStyle/>
+          <a:p>
+            <a:r>
+              <a:rPr lang="en-US" dirty="0"/>
+              <a:t>Calculate similarity of these </a:t>
+            </a:r>
+          </a:p>
+          <a:p>
+            <a:r>
+              <a:rPr lang="en-US" dirty="0"/>
+              <a:t>vectors</a:t>
+            </a:r>
+          </a:p>
+        </p:txBody>
+      </p:sp>
     </p:spTree>
     <p:extLst>
       <p:ext uri="{BB962C8B-B14F-4D97-AF65-F5344CB8AC3E}">
-        <p14:creationId xmlns:p14="http://schemas.microsoft.com/office/powerpoint/2010/main" val="565543770"/>
+        <p14:creationId xmlns:p14="http://schemas.microsoft.com/office/powerpoint/2010/main" val="438865526"/>
       </p:ext>
     </p:extLst>
   </p:cSld>
